--- a/slide-decks/mcp-support-dapr-agents.pptx
+++ b/slide-decks/mcp-support-dapr-agents.pptx
@@ -4,13 +4,15 @@
   <p:sldMasterIdLst>
     <p:sldMasterId id="2147483660" r:id="rId1"/>
   </p:sldMasterIdLst>
+  <p:notesMasterIdLst>
+    <p:notesMasterId r:id="rId7"/>
+  </p:notesMasterIdLst>
   <p:sldIdLst>
-    <p:sldId id="264" r:id="rId2"/>
-    <p:sldId id="263" r:id="rId3"/>
-    <p:sldId id="268" r:id="rId4"/>
-    <p:sldId id="269" r:id="rId5"/>
-    <p:sldId id="267" r:id="rId6"/>
-    <p:sldId id="266" r:id="rId7"/>
+    <p:sldId id="263" r:id="rId2"/>
+    <p:sldId id="268" r:id="rId3"/>
+    <p:sldId id="269" r:id="rId4"/>
+    <p:sldId id="267" r:id="rId5"/>
+    <p:sldId id="266" r:id="rId6"/>
   </p:sldIdLst>
   <p:sldSz cx="12192000" cy="6858000"/>
   <p:notesSz cx="6858000" cy="9144000"/>
@@ -109,6 +111,11 @@
       </a:defRPr>
     </a:lvl9pPr>
   </p:defaultTextStyle>
+  <p:extLst>
+    <p:ext uri="{EFAFB233-063F-42B5-8137-9DF3F51BA10A}">
+      <p15:sldGuideLst xmlns:p15="http://schemas.microsoft.com/office/powerpoint/2012/main"/>
+    </p:ext>
+  </p:extLst>
 </p:presentation>
 </file>
 
@@ -1718,7 +1725,7 @@
   <dgm:whole/>
   <dgm:extLst>
     <a:ext uri="http://schemas.microsoft.com/office/drawing/2008/diagram">
-      <dsp:dataModelExt xmlns:dsp="http://schemas.microsoft.com/office/drawing/2008/diagram" relId="rId6" minVer="http://schemas.openxmlformats.org/drawingml/2006/diagram"/>
+      <dsp:dataModelExt xmlns:dsp="http://schemas.microsoft.com/office/drawing/2008/diagram" relId="rId7" minVer="http://schemas.openxmlformats.org/drawingml/2006/diagram"/>
     </a:ext>
     <a:ext uri="{C62137D5-CB1D-491B-B009-E17868A290BF}">
       <dgm14:recolorImg xmlns:dgm14="http://schemas.microsoft.com/office/drawing/2010/diagram" val="1"/>
@@ -4760,6 +4767,1257 @@
 </dgm:styleDef>
 </file>
 
+<file path=ppt/notesMasters/notesMaster1.xml><?xml version="1.0" encoding="utf-8"?>
+<p:notesMaster xmlns:a="http://schemas.openxmlformats.org/drawingml/2006/main" xmlns:r="http://schemas.openxmlformats.org/officeDocument/2006/relationships" xmlns:p="http://schemas.openxmlformats.org/presentationml/2006/main">
+  <p:cSld>
+    <p:bg>
+      <p:bgRef idx="1001">
+        <a:schemeClr val="bg1"/>
+      </p:bgRef>
+    </p:bg>
+    <p:spTree>
+      <p:nvGrpSpPr>
+        <p:cNvPr id="1" name=""/>
+        <p:cNvGrpSpPr/>
+        <p:nvPr/>
+      </p:nvGrpSpPr>
+      <p:grpSpPr>
+        <a:xfrm>
+          <a:off x="0" y="0"/>
+          <a:ext cx="0" cy="0"/>
+          <a:chOff x="0" y="0"/>
+          <a:chExt cx="0" cy="0"/>
+        </a:xfrm>
+      </p:grpSpPr>
+      <p:sp>
+        <p:nvSpPr>
+          <p:cNvPr id="2" name="Header Placeholder 1"/>
+          <p:cNvSpPr>
+            <a:spLocks noGrp="1"/>
+          </p:cNvSpPr>
+          <p:nvPr>
+            <p:ph type="hdr" sz="quarter"/>
+          </p:nvPr>
+        </p:nvSpPr>
+        <p:spPr>
+          <a:xfrm>
+            <a:off x="0" y="0"/>
+            <a:ext cx="2971800" cy="458788"/>
+          </a:xfrm>
+          <a:prstGeom prst="rect">
+            <a:avLst/>
+          </a:prstGeom>
+        </p:spPr>
+        <p:txBody>
+          <a:bodyPr vert="horz" lIns="91440" tIns="45720" rIns="91440" bIns="45720" rtlCol="0"/>
+          <a:lstStyle>
+            <a:lvl1pPr algn="l">
+              <a:defRPr sz="1200"/>
+            </a:lvl1pPr>
+          </a:lstStyle>
+          <a:p>
+            <a:endParaRPr lang="en-AU"/>
+          </a:p>
+        </p:txBody>
+      </p:sp>
+      <p:sp>
+        <p:nvSpPr>
+          <p:cNvPr id="3" name="Date Placeholder 2"/>
+          <p:cNvSpPr>
+            <a:spLocks noGrp="1"/>
+          </p:cNvSpPr>
+          <p:nvPr>
+            <p:ph type="dt" idx="1"/>
+          </p:nvPr>
+        </p:nvSpPr>
+        <p:spPr>
+          <a:xfrm>
+            <a:off x="3884613" y="0"/>
+            <a:ext cx="2971800" cy="458788"/>
+          </a:xfrm>
+          <a:prstGeom prst="rect">
+            <a:avLst/>
+          </a:prstGeom>
+        </p:spPr>
+        <p:txBody>
+          <a:bodyPr vert="horz" lIns="91440" tIns="45720" rIns="91440" bIns="45720" rtlCol="0"/>
+          <a:lstStyle>
+            <a:lvl1pPr algn="r">
+              <a:defRPr sz="1200"/>
+            </a:lvl1pPr>
+          </a:lstStyle>
+          <a:p>
+            <a:fld id="{FBD57E6D-3532-488D-98B3-07996786C224}" type="datetimeFigureOut">
+              <a:rPr lang="en-AU" smtClean="0"/>
+              <a:t>1/09/2025</a:t>
+            </a:fld>
+            <a:endParaRPr lang="en-AU"/>
+          </a:p>
+        </p:txBody>
+      </p:sp>
+      <p:sp>
+        <p:nvSpPr>
+          <p:cNvPr id="4" name="Slide Image Placeholder 3"/>
+          <p:cNvSpPr>
+            <a:spLocks noGrp="1" noRot="1" noChangeAspect="1"/>
+          </p:cNvSpPr>
+          <p:nvPr>
+            <p:ph type="sldImg" idx="2"/>
+          </p:nvPr>
+        </p:nvSpPr>
+        <p:spPr>
+          <a:xfrm>
+            <a:off x="685800" y="1143000"/>
+            <a:ext cx="5486400" cy="3086100"/>
+          </a:xfrm>
+          <a:prstGeom prst="rect">
+            <a:avLst/>
+          </a:prstGeom>
+          <a:noFill/>
+          <a:ln w="12700">
+            <a:solidFill>
+              <a:prstClr val="black"/>
+            </a:solidFill>
+          </a:ln>
+        </p:spPr>
+        <p:txBody>
+          <a:bodyPr vert="horz" lIns="91440" tIns="45720" rIns="91440" bIns="45720" rtlCol="0" anchor="ctr"/>
+          <a:lstStyle/>
+          <a:p>
+            <a:endParaRPr lang="en-AU"/>
+          </a:p>
+        </p:txBody>
+      </p:sp>
+      <p:sp>
+        <p:nvSpPr>
+          <p:cNvPr id="5" name="Notes Placeholder 4"/>
+          <p:cNvSpPr>
+            <a:spLocks noGrp="1"/>
+          </p:cNvSpPr>
+          <p:nvPr>
+            <p:ph type="body" sz="quarter" idx="3"/>
+          </p:nvPr>
+        </p:nvSpPr>
+        <p:spPr>
+          <a:xfrm>
+            <a:off x="685800" y="4400550"/>
+            <a:ext cx="5486400" cy="3600450"/>
+          </a:xfrm>
+          <a:prstGeom prst="rect">
+            <a:avLst/>
+          </a:prstGeom>
+        </p:spPr>
+        <p:txBody>
+          <a:bodyPr vert="horz" lIns="91440" tIns="45720" rIns="91440" bIns="45720" rtlCol="0"/>
+          <a:lstStyle/>
+          <a:p>
+            <a:pPr lvl="0"/>
+            <a:r>
+              <a:rPr lang="en-US"/>
+              <a:t>Click to edit Master text styles</a:t>
+            </a:r>
+          </a:p>
+          <a:p>
+            <a:pPr lvl="1"/>
+            <a:r>
+              <a:rPr lang="en-US"/>
+              <a:t>Second level</a:t>
+            </a:r>
+          </a:p>
+          <a:p>
+            <a:pPr lvl="2"/>
+            <a:r>
+              <a:rPr lang="en-US"/>
+              <a:t>Third level</a:t>
+            </a:r>
+          </a:p>
+          <a:p>
+            <a:pPr lvl="3"/>
+            <a:r>
+              <a:rPr lang="en-US"/>
+              <a:t>Fourth level</a:t>
+            </a:r>
+          </a:p>
+          <a:p>
+            <a:pPr lvl="4"/>
+            <a:r>
+              <a:rPr lang="en-US"/>
+              <a:t>Fifth level</a:t>
+            </a:r>
+            <a:endParaRPr lang="en-AU"/>
+          </a:p>
+        </p:txBody>
+      </p:sp>
+      <p:sp>
+        <p:nvSpPr>
+          <p:cNvPr id="6" name="Footer Placeholder 5"/>
+          <p:cNvSpPr>
+            <a:spLocks noGrp="1"/>
+          </p:cNvSpPr>
+          <p:nvPr>
+            <p:ph type="ftr" sz="quarter" idx="4"/>
+          </p:nvPr>
+        </p:nvSpPr>
+        <p:spPr>
+          <a:xfrm>
+            <a:off x="0" y="8685213"/>
+            <a:ext cx="2971800" cy="458787"/>
+          </a:xfrm>
+          <a:prstGeom prst="rect">
+            <a:avLst/>
+          </a:prstGeom>
+        </p:spPr>
+        <p:txBody>
+          <a:bodyPr vert="horz" lIns="91440" tIns="45720" rIns="91440" bIns="45720" rtlCol="0" anchor="b"/>
+          <a:lstStyle>
+            <a:lvl1pPr algn="l">
+              <a:defRPr sz="1200"/>
+            </a:lvl1pPr>
+          </a:lstStyle>
+          <a:p>
+            <a:endParaRPr lang="en-AU"/>
+          </a:p>
+        </p:txBody>
+      </p:sp>
+      <p:sp>
+        <p:nvSpPr>
+          <p:cNvPr id="7" name="Slide Number Placeholder 6"/>
+          <p:cNvSpPr>
+            <a:spLocks noGrp="1"/>
+          </p:cNvSpPr>
+          <p:nvPr>
+            <p:ph type="sldNum" sz="quarter" idx="5"/>
+          </p:nvPr>
+        </p:nvSpPr>
+        <p:spPr>
+          <a:xfrm>
+            <a:off x="3884613" y="8685213"/>
+            <a:ext cx="2971800" cy="458787"/>
+          </a:xfrm>
+          <a:prstGeom prst="rect">
+            <a:avLst/>
+          </a:prstGeom>
+        </p:spPr>
+        <p:txBody>
+          <a:bodyPr vert="horz" lIns="91440" tIns="45720" rIns="91440" bIns="45720" rtlCol="0" anchor="b"/>
+          <a:lstStyle>
+            <a:lvl1pPr algn="r">
+              <a:defRPr sz="1200"/>
+            </a:lvl1pPr>
+          </a:lstStyle>
+          <a:p>
+            <a:fld id="{5AB50BBE-D8A2-42F1-A3FB-5BBE657D3F8B}" type="slidenum">
+              <a:rPr lang="en-AU" smtClean="0"/>
+              <a:t>‹#›</a:t>
+            </a:fld>
+            <a:endParaRPr lang="en-AU"/>
+          </a:p>
+        </p:txBody>
+      </p:sp>
+    </p:spTree>
+    <p:extLst>
+      <p:ext uri="{BB962C8B-B14F-4D97-AF65-F5344CB8AC3E}">
+        <p14:creationId xmlns:p14="http://schemas.microsoft.com/office/powerpoint/2010/main" val="994772713"/>
+      </p:ext>
+    </p:extLst>
+  </p:cSld>
+  <p:clrMap bg1="lt1" tx1="dk1" bg2="lt2" tx2="dk2" accent1="accent1" accent2="accent2" accent3="accent3" accent4="accent4" accent5="accent5" accent6="accent6" hlink="hlink" folHlink="folHlink"/>
+  <p:notesStyle>
+    <a:lvl1pPr marL="0" algn="l" defTabSz="914400" rtl="0" eaLnBrk="1" latinLnBrk="0" hangingPunct="1">
+      <a:defRPr sz="1200" kern="1200">
+        <a:solidFill>
+          <a:schemeClr val="tx1"/>
+        </a:solidFill>
+        <a:latin typeface="+mn-lt"/>
+        <a:ea typeface="+mn-ea"/>
+        <a:cs typeface="+mn-cs"/>
+      </a:defRPr>
+    </a:lvl1pPr>
+    <a:lvl2pPr marL="457200" algn="l" defTabSz="914400" rtl="0" eaLnBrk="1" latinLnBrk="0" hangingPunct="1">
+      <a:defRPr sz="1200" kern="1200">
+        <a:solidFill>
+          <a:schemeClr val="tx1"/>
+        </a:solidFill>
+        <a:latin typeface="+mn-lt"/>
+        <a:ea typeface="+mn-ea"/>
+        <a:cs typeface="+mn-cs"/>
+      </a:defRPr>
+    </a:lvl2pPr>
+    <a:lvl3pPr marL="914400" algn="l" defTabSz="914400" rtl="0" eaLnBrk="1" latinLnBrk="0" hangingPunct="1">
+      <a:defRPr sz="1200" kern="1200">
+        <a:solidFill>
+          <a:schemeClr val="tx1"/>
+        </a:solidFill>
+        <a:latin typeface="+mn-lt"/>
+        <a:ea typeface="+mn-ea"/>
+        <a:cs typeface="+mn-cs"/>
+      </a:defRPr>
+    </a:lvl3pPr>
+    <a:lvl4pPr marL="1371600" algn="l" defTabSz="914400" rtl="0" eaLnBrk="1" latinLnBrk="0" hangingPunct="1">
+      <a:defRPr sz="1200" kern="1200">
+        <a:solidFill>
+          <a:schemeClr val="tx1"/>
+        </a:solidFill>
+        <a:latin typeface="+mn-lt"/>
+        <a:ea typeface="+mn-ea"/>
+        <a:cs typeface="+mn-cs"/>
+      </a:defRPr>
+    </a:lvl4pPr>
+    <a:lvl5pPr marL="1828800" algn="l" defTabSz="914400" rtl="0" eaLnBrk="1" latinLnBrk="0" hangingPunct="1">
+      <a:defRPr sz="1200" kern="1200">
+        <a:solidFill>
+          <a:schemeClr val="tx1"/>
+        </a:solidFill>
+        <a:latin typeface="+mn-lt"/>
+        <a:ea typeface="+mn-ea"/>
+        <a:cs typeface="+mn-cs"/>
+      </a:defRPr>
+    </a:lvl5pPr>
+    <a:lvl6pPr marL="2286000" algn="l" defTabSz="914400" rtl="0" eaLnBrk="1" latinLnBrk="0" hangingPunct="1">
+      <a:defRPr sz="1200" kern="1200">
+        <a:solidFill>
+          <a:schemeClr val="tx1"/>
+        </a:solidFill>
+        <a:latin typeface="+mn-lt"/>
+        <a:ea typeface="+mn-ea"/>
+        <a:cs typeface="+mn-cs"/>
+      </a:defRPr>
+    </a:lvl6pPr>
+    <a:lvl7pPr marL="2743200" algn="l" defTabSz="914400" rtl="0" eaLnBrk="1" latinLnBrk="0" hangingPunct="1">
+      <a:defRPr sz="1200" kern="1200">
+        <a:solidFill>
+          <a:schemeClr val="tx1"/>
+        </a:solidFill>
+        <a:latin typeface="+mn-lt"/>
+        <a:ea typeface="+mn-ea"/>
+        <a:cs typeface="+mn-cs"/>
+      </a:defRPr>
+    </a:lvl7pPr>
+    <a:lvl8pPr marL="3200400" algn="l" defTabSz="914400" rtl="0" eaLnBrk="1" latinLnBrk="0" hangingPunct="1">
+      <a:defRPr sz="1200" kern="1200">
+        <a:solidFill>
+          <a:schemeClr val="tx1"/>
+        </a:solidFill>
+        <a:latin typeface="+mn-lt"/>
+        <a:ea typeface="+mn-ea"/>
+        <a:cs typeface="+mn-cs"/>
+      </a:defRPr>
+    </a:lvl8pPr>
+    <a:lvl9pPr marL="3657600" algn="l" defTabSz="914400" rtl="0" eaLnBrk="1" latinLnBrk="0" hangingPunct="1">
+      <a:defRPr sz="1200" kern="1200">
+        <a:solidFill>
+          <a:schemeClr val="tx1"/>
+        </a:solidFill>
+        <a:latin typeface="+mn-lt"/>
+        <a:ea typeface="+mn-ea"/>
+        <a:cs typeface="+mn-cs"/>
+      </a:defRPr>
+    </a:lvl9pPr>
+  </p:notesStyle>
+</p:notesMaster>
+</file>
+
+<file path=ppt/notesSlides/notesSlide1.xml><?xml version="1.0" encoding="utf-8"?>
+<p:notes xmlns:a="http://schemas.openxmlformats.org/drawingml/2006/main" xmlns:r="http://schemas.openxmlformats.org/officeDocument/2006/relationships" xmlns:p="http://schemas.openxmlformats.org/presentationml/2006/main">
+  <p:cSld>
+    <p:spTree>
+      <p:nvGrpSpPr>
+        <p:cNvPr id="1" name=""/>
+        <p:cNvGrpSpPr/>
+        <p:nvPr/>
+      </p:nvGrpSpPr>
+      <p:grpSpPr>
+        <a:xfrm>
+          <a:off x="0" y="0"/>
+          <a:ext cx="0" cy="0"/>
+          <a:chOff x="0" y="0"/>
+          <a:chExt cx="0" cy="0"/>
+        </a:xfrm>
+      </p:grpSpPr>
+      <p:sp>
+        <p:nvSpPr>
+          <p:cNvPr id="2" name="Slide Image Placeholder 1"/>
+          <p:cNvSpPr>
+            <a:spLocks noGrp="1" noRot="1" noChangeAspect="1"/>
+          </p:cNvSpPr>
+          <p:nvPr>
+            <p:ph type="sldImg"/>
+          </p:nvPr>
+        </p:nvSpPr>
+        <p:spPr/>
+      </p:sp>
+      <p:sp>
+        <p:nvSpPr>
+          <p:cNvPr id="3" name="Notes Placeholder 2"/>
+          <p:cNvSpPr>
+            <a:spLocks noGrp="1"/>
+          </p:cNvSpPr>
+          <p:nvPr>
+            <p:ph type="body" idx="1"/>
+          </p:nvPr>
+        </p:nvSpPr>
+        <p:spPr/>
+        <p:txBody>
+          <a:bodyPr/>
+          <a:lstStyle/>
+          <a:p>
+            <a:r>
+              <a:rPr lang="en-AU" dirty="0"/>
+              <a:t>Hi everyone, welcome back to this series on building AI Agents with </a:t>
+            </a:r>
+            <a:r>
+              <a:rPr lang="en-AU" dirty="0" err="1"/>
+              <a:t>Dapr</a:t>
+            </a:r>
+            <a:r>
+              <a:rPr lang="en-AU" dirty="0"/>
+              <a:t> Agents!</a:t>
+            </a:r>
+          </a:p>
+          <a:p>
+            <a:endParaRPr lang="en-AU" dirty="0"/>
+          </a:p>
+          <a:p>
+            <a:r>
+              <a:rPr lang="en-AU" dirty="0"/>
+              <a:t>We’re making some great progress – This will be the last “theory” video I’ll do before diving into patterns that we can implement with </a:t>
+            </a:r>
+            <a:r>
+              <a:rPr lang="en-AU" dirty="0" err="1"/>
+              <a:t>Dapr</a:t>
+            </a:r>
+            <a:r>
+              <a:rPr lang="en-AU" dirty="0"/>
+              <a:t> Agents.</a:t>
+            </a:r>
+          </a:p>
+          <a:p>
+            <a:endParaRPr lang="en-AU" dirty="0"/>
+          </a:p>
+          <a:p>
+            <a:r>
+              <a:rPr lang="en-AU" dirty="0"/>
+              <a:t>So in this video, we’ll cover how we can integrate MCP or the Model Context Protocol in </a:t>
+            </a:r>
+            <a:r>
+              <a:rPr lang="en-AU" dirty="0" err="1"/>
+              <a:t>Dapr</a:t>
+            </a:r>
+            <a:r>
+              <a:rPr lang="en-AU" dirty="0"/>
+              <a:t> Agents. Now I’m planning to do a series on working with MCP sometime in the future, where I’ll dive a little deeper on how it works, how we can build MCP servers and clients using best practices, but for now – we’ll touch on the basics of MCP and how we can use configure MCP Clients in </a:t>
+            </a:r>
+            <a:r>
+              <a:rPr lang="en-AU" dirty="0" err="1"/>
+              <a:t>Dapr</a:t>
+            </a:r>
+            <a:r>
+              <a:rPr lang="en-AU" dirty="0"/>
+              <a:t> Agents.</a:t>
+            </a:r>
+          </a:p>
+        </p:txBody>
+      </p:sp>
+      <p:sp>
+        <p:nvSpPr>
+          <p:cNvPr id="4" name="Slide Number Placeholder 3"/>
+          <p:cNvSpPr>
+            <a:spLocks noGrp="1"/>
+          </p:cNvSpPr>
+          <p:nvPr>
+            <p:ph type="sldNum" sz="quarter" idx="5"/>
+          </p:nvPr>
+        </p:nvSpPr>
+        <p:spPr/>
+        <p:txBody>
+          <a:bodyPr/>
+          <a:lstStyle/>
+          <a:p>
+            <a:fld id="{5AB50BBE-D8A2-42F1-A3FB-5BBE657D3F8B}" type="slidenum">
+              <a:rPr lang="en-AU" smtClean="0"/>
+              <a:t>1</a:t>
+            </a:fld>
+            <a:endParaRPr lang="en-AU"/>
+          </a:p>
+        </p:txBody>
+      </p:sp>
+    </p:spTree>
+    <p:extLst>
+      <p:ext uri="{BB962C8B-B14F-4D97-AF65-F5344CB8AC3E}">
+        <p14:creationId xmlns:p14="http://schemas.microsoft.com/office/powerpoint/2010/main" val="929520908"/>
+      </p:ext>
+    </p:extLst>
+  </p:cSld>
+  <p:clrMapOvr>
+    <a:masterClrMapping/>
+  </p:clrMapOvr>
+</p:notes>
+</file>
+
+<file path=ppt/notesSlides/notesSlide2.xml><?xml version="1.0" encoding="utf-8"?>
+<p:notes xmlns:a="http://schemas.openxmlformats.org/drawingml/2006/main" xmlns:r="http://schemas.openxmlformats.org/officeDocument/2006/relationships" xmlns:p="http://schemas.openxmlformats.org/presentationml/2006/main">
+  <p:cSld>
+    <p:spTree>
+      <p:nvGrpSpPr>
+        <p:cNvPr id="1" name=""/>
+        <p:cNvGrpSpPr/>
+        <p:nvPr/>
+      </p:nvGrpSpPr>
+      <p:grpSpPr>
+        <a:xfrm>
+          <a:off x="0" y="0"/>
+          <a:ext cx="0" cy="0"/>
+          <a:chOff x="0" y="0"/>
+          <a:chExt cx="0" cy="0"/>
+        </a:xfrm>
+      </p:grpSpPr>
+      <p:sp>
+        <p:nvSpPr>
+          <p:cNvPr id="2" name="Slide Image Placeholder 1"/>
+          <p:cNvSpPr>
+            <a:spLocks noGrp="1" noRot="1" noChangeAspect="1"/>
+          </p:cNvSpPr>
+          <p:nvPr>
+            <p:ph type="sldImg"/>
+          </p:nvPr>
+        </p:nvSpPr>
+        <p:spPr/>
+      </p:sp>
+      <p:sp>
+        <p:nvSpPr>
+          <p:cNvPr id="3" name="Notes Placeholder 2"/>
+          <p:cNvSpPr>
+            <a:spLocks noGrp="1"/>
+          </p:cNvSpPr>
+          <p:nvPr>
+            <p:ph type="body" idx="1"/>
+          </p:nvPr>
+        </p:nvSpPr>
+        <p:spPr/>
+        <p:txBody>
+          <a:bodyPr/>
+          <a:lstStyle/>
+          <a:p>
+            <a:r>
+              <a:rPr lang="en-AU" dirty="0"/>
+              <a:t>So </a:t>
+            </a:r>
+            <a:r>
+              <a:rPr lang="en-US" b="0" i="0" dirty="0">
+                <a:solidFill>
+                  <a:srgbClr val="3E3E3E"/>
+                </a:solidFill>
+                <a:effectLst/>
+                <a:latin typeface="__Inter_e5ab12"/>
+              </a:rPr>
+              <a:t>MCP is an open protocol that standardizes how applications provide context to LLMs. </a:t>
+            </a:r>
+          </a:p>
+          <a:p>
+            <a:endParaRPr lang="en-US" b="0" i="0" dirty="0">
+              <a:solidFill>
+                <a:srgbClr val="3E3E3E"/>
+              </a:solidFill>
+              <a:effectLst/>
+              <a:latin typeface="__Inter_e5ab12"/>
+            </a:endParaRPr>
+          </a:p>
+          <a:p>
+            <a:r>
+              <a:rPr lang="en-US" b="0" i="0" dirty="0">
+                <a:solidFill>
+                  <a:srgbClr val="3E3E3E"/>
+                </a:solidFill>
+                <a:effectLst/>
+                <a:latin typeface="__Inter_e5ab12"/>
+              </a:rPr>
+              <a:t>Think of MCP like a USB-C port for AI applications. </a:t>
+            </a:r>
+          </a:p>
+          <a:p>
+            <a:endParaRPr lang="en-US" b="0" i="0" dirty="0">
+              <a:solidFill>
+                <a:srgbClr val="3E3E3E"/>
+              </a:solidFill>
+              <a:effectLst/>
+              <a:latin typeface="__Inter_e5ab12"/>
+            </a:endParaRPr>
+          </a:p>
+          <a:p>
+            <a:r>
+              <a:rPr lang="en-US" b="0" i="0" dirty="0">
+                <a:solidFill>
+                  <a:srgbClr val="3E3E3E"/>
+                </a:solidFill>
+                <a:effectLst/>
+                <a:latin typeface="__Inter_e5ab12"/>
+              </a:rPr>
+              <a:t>Just as USB-C provides a standardized way to connect your devices to various peripherals and accessories, MCP provides a standardized way to connect AI models to different data sources and tools.</a:t>
+            </a:r>
+            <a:endParaRPr lang="en-AU" dirty="0"/>
+          </a:p>
+          <a:p>
+            <a:endParaRPr lang="en-AU" dirty="0"/>
+          </a:p>
+          <a:p>
+            <a:pPr algn="l">
+              <a:buNone/>
+            </a:pPr>
+            <a:r>
+              <a:rPr lang="en-US" b="0" i="0" dirty="0">
+                <a:solidFill>
+                  <a:srgbClr val="3E3E3E"/>
+                </a:solidFill>
+                <a:effectLst/>
+                <a:latin typeface="__Inter_e5ab12"/>
+              </a:rPr>
+              <a:t>MCP helps you build agents and complex workflows on top of LLMs. LLMs frequently need to integrate with data and tools, and MCP provides:</a:t>
+            </a:r>
+          </a:p>
+          <a:p>
+            <a:pPr algn="l">
+              <a:buNone/>
+            </a:pPr>
+            <a:endParaRPr lang="en-US" b="0" i="0" dirty="0">
+              <a:solidFill>
+                <a:srgbClr val="3E3E3E"/>
+              </a:solidFill>
+              <a:effectLst/>
+              <a:latin typeface="__Inter_e5ab12"/>
+            </a:endParaRPr>
+          </a:p>
+          <a:p>
+            <a:pPr algn="l">
+              <a:buFont typeface="Arial" panose="020B0604020202020204" pitchFamily="34" charset="0"/>
+              <a:buChar char="•"/>
+            </a:pPr>
+            <a:r>
+              <a:rPr lang="en-US" b="0" i="0" dirty="0">
+                <a:solidFill>
+                  <a:srgbClr val="3E3E3E"/>
+                </a:solidFill>
+                <a:effectLst/>
+                <a:latin typeface="__Inter_e5ab12"/>
+              </a:rPr>
+              <a:t>A growing list of pre-built integrations that your LLM can directly plug into</a:t>
+            </a:r>
+          </a:p>
+          <a:p>
+            <a:pPr algn="l">
+              <a:buFont typeface="Arial" panose="020B0604020202020204" pitchFamily="34" charset="0"/>
+              <a:buChar char="•"/>
+            </a:pPr>
+            <a:r>
+              <a:rPr lang="en-US" b="0" i="0" dirty="0">
+                <a:solidFill>
+                  <a:srgbClr val="3E3E3E"/>
+                </a:solidFill>
+                <a:effectLst/>
+                <a:latin typeface="__Inter_e5ab12"/>
+              </a:rPr>
+              <a:t>The flexibility to switch between LLM providers and vendors</a:t>
+            </a:r>
+          </a:p>
+        </p:txBody>
+      </p:sp>
+      <p:sp>
+        <p:nvSpPr>
+          <p:cNvPr id="4" name="Slide Number Placeholder 3"/>
+          <p:cNvSpPr>
+            <a:spLocks noGrp="1"/>
+          </p:cNvSpPr>
+          <p:nvPr>
+            <p:ph type="sldNum" sz="quarter" idx="5"/>
+          </p:nvPr>
+        </p:nvSpPr>
+        <p:spPr/>
+        <p:txBody>
+          <a:bodyPr/>
+          <a:lstStyle/>
+          <a:p>
+            <a:fld id="{5AB50BBE-D8A2-42F1-A3FB-5BBE657D3F8B}" type="slidenum">
+              <a:rPr lang="en-AU" smtClean="0"/>
+              <a:t>2</a:t>
+            </a:fld>
+            <a:endParaRPr lang="en-AU"/>
+          </a:p>
+        </p:txBody>
+      </p:sp>
+    </p:spTree>
+    <p:extLst>
+      <p:ext uri="{BB962C8B-B14F-4D97-AF65-F5344CB8AC3E}">
+        <p14:creationId xmlns:p14="http://schemas.microsoft.com/office/powerpoint/2010/main" val="3992603620"/>
+      </p:ext>
+    </p:extLst>
+  </p:cSld>
+  <p:clrMapOvr>
+    <a:masterClrMapping/>
+  </p:clrMapOvr>
+</p:notes>
+</file>
+
+<file path=ppt/notesSlides/notesSlide3.xml><?xml version="1.0" encoding="utf-8"?>
+<p:notes xmlns:a="http://schemas.openxmlformats.org/drawingml/2006/main" xmlns:r="http://schemas.openxmlformats.org/officeDocument/2006/relationships" xmlns:p="http://schemas.openxmlformats.org/presentationml/2006/main">
+  <p:cSld>
+    <p:spTree>
+      <p:nvGrpSpPr>
+        <p:cNvPr id="1" name=""/>
+        <p:cNvGrpSpPr/>
+        <p:nvPr/>
+      </p:nvGrpSpPr>
+      <p:grpSpPr>
+        <a:xfrm>
+          <a:off x="0" y="0"/>
+          <a:ext cx="0" cy="0"/>
+          <a:chOff x="0" y="0"/>
+          <a:chExt cx="0" cy="0"/>
+        </a:xfrm>
+      </p:grpSpPr>
+      <p:sp>
+        <p:nvSpPr>
+          <p:cNvPr id="2" name="Slide Image Placeholder 1"/>
+          <p:cNvSpPr>
+            <a:spLocks noGrp="1" noRot="1" noChangeAspect="1"/>
+          </p:cNvSpPr>
+          <p:nvPr>
+            <p:ph type="sldImg"/>
+          </p:nvPr>
+        </p:nvSpPr>
+        <p:spPr/>
+      </p:sp>
+      <p:sp>
+        <p:nvSpPr>
+          <p:cNvPr id="3" name="Notes Placeholder 2"/>
+          <p:cNvSpPr>
+            <a:spLocks noGrp="1"/>
+          </p:cNvSpPr>
+          <p:nvPr>
+            <p:ph type="body" idx="1"/>
+          </p:nvPr>
+        </p:nvSpPr>
+        <p:spPr/>
+        <p:txBody>
+          <a:bodyPr/>
+          <a:lstStyle/>
+          <a:p>
+            <a:r>
+              <a:rPr lang="en-US" b="0" i="0" dirty="0">
+                <a:solidFill>
+                  <a:srgbClr val="3E3E3E"/>
+                </a:solidFill>
+                <a:effectLst/>
+                <a:latin typeface="__Inter_e5ab12"/>
+              </a:rPr>
+              <a:t>At its core, MCP follows a client-server architecture where a host application can connect to multiple servers:</a:t>
+            </a:r>
+          </a:p>
+          <a:p>
+            <a:endParaRPr lang="en-US" b="0" i="0" dirty="0">
+              <a:solidFill>
+                <a:srgbClr val="3E3E3E"/>
+              </a:solidFill>
+              <a:effectLst/>
+              <a:latin typeface="__Inter_e5ab12"/>
+            </a:endParaRPr>
+          </a:p>
+          <a:p>
+            <a:pPr algn="l">
+              <a:buFont typeface="Arial" panose="020B0604020202020204" pitchFamily="34" charset="0"/>
+              <a:buChar char="•"/>
+            </a:pPr>
+            <a:r>
+              <a:rPr lang="en-US" b="1" i="0" dirty="0">
+                <a:solidFill>
+                  <a:srgbClr val="171717"/>
+                </a:solidFill>
+                <a:effectLst/>
+                <a:latin typeface="__Inter_e5ab12"/>
+              </a:rPr>
+              <a:t>MCP Hosts</a:t>
+            </a:r>
+            <a:r>
+              <a:rPr lang="en-US" b="0" i="0" dirty="0">
+                <a:solidFill>
+                  <a:srgbClr val="3E3E3E"/>
+                </a:solidFill>
+                <a:effectLst/>
+                <a:latin typeface="__Inter_e5ab12"/>
+              </a:rPr>
+              <a:t>: Programs like Claude Desktop, IDEs, or AI tools that want to access data through MCP</a:t>
+            </a:r>
+          </a:p>
+          <a:p>
+            <a:pPr algn="l">
+              <a:buFont typeface="Arial" panose="020B0604020202020204" pitchFamily="34" charset="0"/>
+              <a:buChar char="•"/>
+            </a:pPr>
+            <a:r>
+              <a:rPr lang="en-US" b="1" i="0" dirty="0">
+                <a:solidFill>
+                  <a:srgbClr val="171717"/>
+                </a:solidFill>
+                <a:effectLst/>
+                <a:latin typeface="__Inter_e5ab12"/>
+              </a:rPr>
+              <a:t>MCP Clients</a:t>
+            </a:r>
+            <a:r>
+              <a:rPr lang="en-US" b="0" i="0" dirty="0">
+                <a:solidFill>
+                  <a:srgbClr val="3E3E3E"/>
+                </a:solidFill>
+                <a:effectLst/>
+                <a:latin typeface="__Inter_e5ab12"/>
+              </a:rPr>
+              <a:t>: Protocol clients that maintain 1:1 connections with servers</a:t>
+            </a:r>
+          </a:p>
+          <a:p>
+            <a:pPr algn="l">
+              <a:buFont typeface="Arial" panose="020B0604020202020204" pitchFamily="34" charset="0"/>
+              <a:buChar char="•"/>
+            </a:pPr>
+            <a:r>
+              <a:rPr lang="en-US" b="1" i="0" dirty="0">
+                <a:solidFill>
+                  <a:srgbClr val="171717"/>
+                </a:solidFill>
+                <a:effectLst/>
+                <a:latin typeface="__Inter_e5ab12"/>
+              </a:rPr>
+              <a:t>MCP Servers</a:t>
+            </a:r>
+            <a:r>
+              <a:rPr lang="en-US" b="0" i="0" dirty="0">
+                <a:solidFill>
+                  <a:srgbClr val="3E3E3E"/>
+                </a:solidFill>
+                <a:effectLst/>
+                <a:latin typeface="__Inter_e5ab12"/>
+              </a:rPr>
+              <a:t>: Lightweight programs that each expose specific capabilities through the standardized Model Context Protocol</a:t>
+            </a:r>
+          </a:p>
+          <a:p>
+            <a:pPr algn="l">
+              <a:buFont typeface="Arial" panose="020B0604020202020204" pitchFamily="34" charset="0"/>
+              <a:buChar char="•"/>
+            </a:pPr>
+            <a:r>
+              <a:rPr lang="en-US" b="1" i="0" dirty="0">
+                <a:solidFill>
+                  <a:srgbClr val="171717"/>
+                </a:solidFill>
+                <a:effectLst/>
+                <a:latin typeface="__Inter_e5ab12"/>
+              </a:rPr>
+              <a:t>Local Data Sources</a:t>
+            </a:r>
+            <a:r>
+              <a:rPr lang="en-US" b="0" i="0" dirty="0">
+                <a:solidFill>
+                  <a:srgbClr val="3E3E3E"/>
+                </a:solidFill>
+                <a:effectLst/>
+                <a:latin typeface="__Inter_e5ab12"/>
+              </a:rPr>
+              <a:t>: Your computer’s files, databases, and services that MCP servers can securely access</a:t>
+            </a:r>
+          </a:p>
+          <a:p>
+            <a:pPr algn="l">
+              <a:buFont typeface="Arial" panose="020B0604020202020204" pitchFamily="34" charset="0"/>
+              <a:buChar char="•"/>
+            </a:pPr>
+            <a:r>
+              <a:rPr lang="en-US" b="1" i="0" dirty="0">
+                <a:solidFill>
+                  <a:srgbClr val="171717"/>
+                </a:solidFill>
+                <a:effectLst/>
+                <a:latin typeface="__Inter_e5ab12"/>
+              </a:rPr>
+              <a:t>Remote Services</a:t>
+            </a:r>
+            <a:r>
+              <a:rPr lang="en-US" b="0" i="0" dirty="0">
+                <a:solidFill>
+                  <a:srgbClr val="3E3E3E"/>
+                </a:solidFill>
+                <a:effectLst/>
+                <a:latin typeface="__Inter_e5ab12"/>
+              </a:rPr>
+              <a:t>: External systems available over the internet (e.g., through APIs) that MCP servers can connect to</a:t>
+            </a:r>
+          </a:p>
+          <a:p>
+            <a:endParaRPr lang="en-AU" dirty="0"/>
+          </a:p>
+        </p:txBody>
+      </p:sp>
+      <p:sp>
+        <p:nvSpPr>
+          <p:cNvPr id="4" name="Slide Number Placeholder 3"/>
+          <p:cNvSpPr>
+            <a:spLocks noGrp="1"/>
+          </p:cNvSpPr>
+          <p:nvPr>
+            <p:ph type="sldNum" sz="quarter" idx="5"/>
+          </p:nvPr>
+        </p:nvSpPr>
+        <p:spPr/>
+        <p:txBody>
+          <a:bodyPr/>
+          <a:lstStyle/>
+          <a:p>
+            <a:fld id="{5AB50BBE-D8A2-42F1-A3FB-5BBE657D3F8B}" type="slidenum">
+              <a:rPr lang="en-AU" smtClean="0"/>
+              <a:t>3</a:t>
+            </a:fld>
+            <a:endParaRPr lang="en-AU"/>
+          </a:p>
+        </p:txBody>
+      </p:sp>
+    </p:spTree>
+    <p:extLst>
+      <p:ext uri="{BB962C8B-B14F-4D97-AF65-F5344CB8AC3E}">
+        <p14:creationId xmlns:p14="http://schemas.microsoft.com/office/powerpoint/2010/main" val="3579991521"/>
+      </p:ext>
+    </p:extLst>
+  </p:cSld>
+  <p:clrMapOvr>
+    <a:masterClrMapping/>
+  </p:clrMapOvr>
+</p:notes>
+</file>
+
+<file path=ppt/notesSlides/notesSlide4.xml><?xml version="1.0" encoding="utf-8"?>
+<p:notes xmlns:a="http://schemas.openxmlformats.org/drawingml/2006/main" xmlns:r="http://schemas.openxmlformats.org/officeDocument/2006/relationships" xmlns:p="http://schemas.openxmlformats.org/presentationml/2006/main">
+  <p:cSld>
+    <p:spTree>
+      <p:nvGrpSpPr>
+        <p:cNvPr id="1" name=""/>
+        <p:cNvGrpSpPr/>
+        <p:nvPr/>
+      </p:nvGrpSpPr>
+      <p:grpSpPr>
+        <a:xfrm>
+          <a:off x="0" y="0"/>
+          <a:ext cx="0" cy="0"/>
+          <a:chOff x="0" y="0"/>
+          <a:chExt cx="0" cy="0"/>
+        </a:xfrm>
+      </p:grpSpPr>
+      <p:sp>
+        <p:nvSpPr>
+          <p:cNvPr id="2" name="Slide Image Placeholder 1"/>
+          <p:cNvSpPr>
+            <a:spLocks noGrp="1" noRot="1" noChangeAspect="1"/>
+          </p:cNvSpPr>
+          <p:nvPr>
+            <p:ph type="sldImg"/>
+          </p:nvPr>
+        </p:nvSpPr>
+        <p:spPr/>
+      </p:sp>
+      <p:sp>
+        <p:nvSpPr>
+          <p:cNvPr id="3" name="Notes Placeholder 2"/>
+          <p:cNvSpPr>
+            <a:spLocks noGrp="1"/>
+          </p:cNvSpPr>
+          <p:nvPr>
+            <p:ph type="body" idx="1"/>
+          </p:nvPr>
+        </p:nvSpPr>
+        <p:spPr/>
+        <p:txBody>
+          <a:bodyPr/>
+          <a:lstStyle/>
+          <a:p>
+            <a:r>
+              <a:rPr lang="en-US" sz="1200" b="0" i="0" kern="1200" dirty="0" err="1">
+                <a:solidFill>
+                  <a:schemeClr val="tx1"/>
+                </a:solidFill>
+                <a:effectLst/>
+                <a:latin typeface="+mn-lt"/>
+                <a:ea typeface="+mn-ea"/>
+                <a:cs typeface="+mn-cs"/>
+              </a:rPr>
+              <a:t>Dapr</a:t>
+            </a:r>
+            <a:r>
+              <a:rPr lang="en-US" sz="1200" b="0" i="0" kern="1200" dirty="0">
+                <a:solidFill>
+                  <a:schemeClr val="tx1"/>
+                </a:solidFill>
+                <a:effectLst/>
+                <a:latin typeface="+mn-lt"/>
+                <a:ea typeface="+mn-ea"/>
+                <a:cs typeface="+mn-cs"/>
+              </a:rPr>
+              <a:t> Agents includes built-in support for the </a:t>
+            </a:r>
+            <a:r>
+              <a:rPr lang="en-US" sz="1200" b="0" i="0" u="none" strike="noStrike" kern="1200" dirty="0">
+                <a:solidFill>
+                  <a:schemeClr val="tx1"/>
+                </a:solidFill>
+                <a:effectLst/>
+                <a:latin typeface="+mn-lt"/>
+                <a:ea typeface="+mn-ea"/>
+                <a:cs typeface="+mn-cs"/>
+                <a:hlinkClick r:id="rId3"/>
+              </a:rPr>
+              <a:t>Model Context Protocol (MCP)</a:t>
+            </a:r>
+            <a:r>
+              <a:rPr lang="en-US" sz="1200" b="0" i="0" kern="1200" dirty="0">
+                <a:solidFill>
+                  <a:schemeClr val="tx1"/>
+                </a:solidFill>
+                <a:effectLst/>
+                <a:latin typeface="+mn-lt"/>
+                <a:ea typeface="+mn-ea"/>
+                <a:cs typeface="+mn-cs"/>
+              </a:rPr>
+              <a:t>, enabling agents to dynamically discover and invoke external tools through a standardized interface. Using the provided </a:t>
+            </a:r>
+            <a:r>
+              <a:rPr lang="en-US" sz="1200" b="0" i="0" kern="1200" dirty="0" err="1">
+                <a:solidFill>
+                  <a:schemeClr val="tx1"/>
+                </a:solidFill>
+                <a:effectLst/>
+                <a:latin typeface="+mn-lt"/>
+                <a:ea typeface="+mn-ea"/>
+                <a:cs typeface="+mn-cs"/>
+              </a:rPr>
+              <a:t>MCPClient</a:t>
+            </a:r>
+            <a:r>
+              <a:rPr lang="en-US" sz="1200" b="0" i="0" kern="1200" dirty="0">
+                <a:solidFill>
+                  <a:schemeClr val="tx1"/>
+                </a:solidFill>
+                <a:effectLst/>
+                <a:latin typeface="+mn-lt"/>
+                <a:ea typeface="+mn-ea"/>
+                <a:cs typeface="+mn-cs"/>
+              </a:rPr>
+              <a:t>, agents can connect to MCP servers via two transport options: </a:t>
+            </a:r>
+            <a:r>
+              <a:rPr lang="en-US" sz="1200" b="0" i="0" kern="1200" dirty="0" err="1">
+                <a:solidFill>
+                  <a:schemeClr val="tx1"/>
+                </a:solidFill>
+                <a:effectLst/>
+                <a:latin typeface="+mn-lt"/>
+                <a:ea typeface="+mn-ea"/>
+                <a:cs typeface="+mn-cs"/>
+              </a:rPr>
+              <a:t>stdio</a:t>
+            </a:r>
+            <a:r>
+              <a:rPr lang="en-US" sz="1200" b="0" i="0" kern="1200" dirty="0">
+                <a:solidFill>
+                  <a:schemeClr val="tx1"/>
+                </a:solidFill>
+                <a:effectLst/>
+                <a:latin typeface="+mn-lt"/>
+                <a:ea typeface="+mn-ea"/>
+                <a:cs typeface="+mn-cs"/>
+              </a:rPr>
+              <a:t> for local development and </a:t>
+            </a:r>
+            <a:r>
+              <a:rPr lang="en-US" sz="1200" b="0" i="0" kern="1200" dirty="0" err="1">
+                <a:solidFill>
+                  <a:schemeClr val="tx1"/>
+                </a:solidFill>
+                <a:effectLst/>
+                <a:latin typeface="+mn-lt"/>
+                <a:ea typeface="+mn-ea"/>
+                <a:cs typeface="+mn-cs"/>
+              </a:rPr>
+              <a:t>sse</a:t>
+            </a:r>
+            <a:r>
+              <a:rPr lang="en-US" sz="1200" b="0" i="0" kern="1200" dirty="0">
+                <a:solidFill>
+                  <a:schemeClr val="tx1"/>
+                </a:solidFill>
+                <a:effectLst/>
+                <a:latin typeface="+mn-lt"/>
+                <a:ea typeface="+mn-ea"/>
+                <a:cs typeface="+mn-cs"/>
+              </a:rPr>
+              <a:t> for remote or distributed environments.</a:t>
+            </a:r>
+          </a:p>
+          <a:p>
+            <a:endParaRPr lang="en-US" sz="1200" b="0" i="0" kern="1200" dirty="0">
+              <a:solidFill>
+                <a:schemeClr val="tx1"/>
+              </a:solidFill>
+              <a:effectLst/>
+              <a:latin typeface="+mn-lt"/>
+              <a:ea typeface="+mn-ea"/>
+              <a:cs typeface="+mn-cs"/>
+            </a:endParaRPr>
+          </a:p>
+          <a:p>
+            <a:r>
+              <a:rPr lang="en-US" sz="1200" b="0" i="0" kern="1200" dirty="0">
+                <a:solidFill>
+                  <a:schemeClr val="tx1"/>
+                </a:solidFill>
+                <a:effectLst/>
+                <a:latin typeface="+mn-lt"/>
+                <a:ea typeface="+mn-ea"/>
+                <a:cs typeface="+mn-cs"/>
+              </a:rPr>
+              <a:t>Once connected, the MCP client fetches all available tools from the server and prepares them for immediate use within the agent’s toolset. This allows agents to incorporate capabilities exposed by external processes—such as local Python scripts or remote services without hardcoding or preloading them. Agents can invoke these tools at runtime, expanding their behavior based on what’s offered by the active MCP server.</a:t>
+            </a:r>
+          </a:p>
+          <a:p>
+            <a:endParaRPr lang="en-AU" dirty="0"/>
+          </a:p>
+        </p:txBody>
+      </p:sp>
+      <p:sp>
+        <p:nvSpPr>
+          <p:cNvPr id="4" name="Slide Number Placeholder 3"/>
+          <p:cNvSpPr>
+            <a:spLocks noGrp="1"/>
+          </p:cNvSpPr>
+          <p:nvPr>
+            <p:ph type="sldNum" sz="quarter" idx="5"/>
+          </p:nvPr>
+        </p:nvSpPr>
+        <p:spPr/>
+        <p:txBody>
+          <a:bodyPr/>
+          <a:lstStyle/>
+          <a:p>
+            <a:fld id="{5AB50BBE-D8A2-42F1-A3FB-5BBE657D3F8B}" type="slidenum">
+              <a:rPr lang="en-AU" smtClean="0"/>
+              <a:t>4</a:t>
+            </a:fld>
+            <a:endParaRPr lang="en-AU"/>
+          </a:p>
+        </p:txBody>
+      </p:sp>
+    </p:spTree>
+    <p:extLst>
+      <p:ext uri="{BB962C8B-B14F-4D97-AF65-F5344CB8AC3E}">
+        <p14:creationId xmlns:p14="http://schemas.microsoft.com/office/powerpoint/2010/main" val="2735032697"/>
+      </p:ext>
+    </p:extLst>
+  </p:cSld>
+  <p:clrMapOvr>
+    <a:masterClrMapping/>
+  </p:clrMapOvr>
+</p:notes>
+</file>
+
+<file path=ppt/notesSlides/notesSlide5.xml><?xml version="1.0" encoding="utf-8"?>
+<p:notes xmlns:a="http://schemas.openxmlformats.org/drawingml/2006/main" xmlns:r="http://schemas.openxmlformats.org/officeDocument/2006/relationships" xmlns:p="http://schemas.openxmlformats.org/presentationml/2006/main">
+  <p:cSld>
+    <p:spTree>
+      <p:nvGrpSpPr>
+        <p:cNvPr id="1" name=""/>
+        <p:cNvGrpSpPr/>
+        <p:nvPr/>
+      </p:nvGrpSpPr>
+      <p:grpSpPr>
+        <a:xfrm>
+          <a:off x="0" y="0"/>
+          <a:ext cx="0" cy="0"/>
+          <a:chOff x="0" y="0"/>
+          <a:chExt cx="0" cy="0"/>
+        </a:xfrm>
+      </p:grpSpPr>
+      <p:sp>
+        <p:nvSpPr>
+          <p:cNvPr id="2" name="Slide Image Placeholder 1"/>
+          <p:cNvSpPr>
+            <a:spLocks noGrp="1" noRot="1" noChangeAspect="1"/>
+          </p:cNvSpPr>
+          <p:nvPr>
+            <p:ph type="sldImg"/>
+          </p:nvPr>
+        </p:nvSpPr>
+        <p:spPr/>
+      </p:sp>
+      <p:sp>
+        <p:nvSpPr>
+          <p:cNvPr id="3" name="Notes Placeholder 2"/>
+          <p:cNvSpPr>
+            <a:spLocks noGrp="1"/>
+          </p:cNvSpPr>
+          <p:nvPr>
+            <p:ph type="body" idx="1"/>
+          </p:nvPr>
+        </p:nvSpPr>
+        <p:spPr/>
+        <p:txBody>
+          <a:bodyPr/>
+          <a:lstStyle/>
+          <a:p>
+            <a:r>
+              <a:rPr lang="en-AU" dirty="0"/>
+              <a:t>Let’s take a look this in action! We’ll go through how we can build a simple </a:t>
+            </a:r>
+            <a:r>
+              <a:rPr lang="en-AU" dirty="0" err="1"/>
+              <a:t>Dapr</a:t>
+            </a:r>
+            <a:r>
+              <a:rPr lang="en-AU" dirty="0"/>
+              <a:t> Agent that uses tools exposed via a MCP server over Server-Sent Events. We’ll set up a simple standalone server, create some MCP tools in it and connect our agent to them using SSE communication.</a:t>
+            </a:r>
+          </a:p>
+        </p:txBody>
+      </p:sp>
+      <p:sp>
+        <p:nvSpPr>
+          <p:cNvPr id="4" name="Slide Number Placeholder 3"/>
+          <p:cNvSpPr>
+            <a:spLocks noGrp="1"/>
+          </p:cNvSpPr>
+          <p:nvPr>
+            <p:ph type="sldNum" sz="quarter" idx="5"/>
+          </p:nvPr>
+        </p:nvSpPr>
+        <p:spPr/>
+        <p:txBody>
+          <a:bodyPr/>
+          <a:lstStyle/>
+          <a:p>
+            <a:fld id="{5AB50BBE-D8A2-42F1-A3FB-5BBE657D3F8B}" type="slidenum">
+              <a:rPr lang="en-AU" smtClean="0"/>
+              <a:t>5</a:t>
+            </a:fld>
+            <a:endParaRPr lang="en-AU"/>
+          </a:p>
+        </p:txBody>
+      </p:sp>
+    </p:spTree>
+    <p:extLst>
+      <p:ext uri="{BB962C8B-B14F-4D97-AF65-F5344CB8AC3E}">
+        <p14:creationId xmlns:p14="http://schemas.microsoft.com/office/powerpoint/2010/main" val="881212789"/>
+      </p:ext>
+    </p:extLst>
+  </p:cSld>
+  <p:clrMapOvr>
+    <a:masterClrMapping/>
+  </p:clrMapOvr>
+</p:notes>
+</file>
+
 <file path=ppt/slideLayouts/slideLayout1.xml><?xml version="1.0" encoding="utf-8"?>
 <p:sldLayout xmlns:a="http://schemas.openxmlformats.org/drawingml/2006/main" xmlns:r="http://schemas.openxmlformats.org/officeDocument/2006/relationships" xmlns:p="http://schemas.openxmlformats.org/presentationml/2006/main" showMasterSp="0" type="title" preserve="1">
   <p:cSld name="Title Slide">
@@ -4800,7 +6058,7 @@
           <a:p>
             <a:fld id="{5A93E3F5-C054-46B6-9CF1-E930E6169908}" type="datetimeFigureOut">
               <a:rPr lang="en-AU" smtClean="0"/>
-              <a:t>30/08/2025</a:t>
+              <a:t>1/09/2025</a:t>
             </a:fld>
             <a:endParaRPr lang="en-AU"/>
           </a:p>
@@ -5121,7 +6379,7 @@
           <a:p>
             <a:fld id="{5A93E3F5-C054-46B6-9CF1-E930E6169908}" type="datetimeFigureOut">
               <a:rPr lang="en-AU" smtClean="0"/>
-              <a:t>30/08/2025</a:t>
+              <a:t>1/09/2025</a:t>
             </a:fld>
             <a:endParaRPr lang="en-AU"/>
           </a:p>
@@ -5234,7 +6492,7 @@
           <a:p>
             <a:fld id="{5A93E3F5-C054-46B6-9CF1-E930E6169908}" type="datetimeFigureOut">
               <a:rPr lang="en-AU" smtClean="0"/>
-              <a:t>30/08/2025</a:t>
+              <a:t>1/09/2025</a:t>
             </a:fld>
             <a:endParaRPr lang="en-AU"/>
           </a:p>
@@ -5522,7 +6780,7 @@
           <a:p>
             <a:fld id="{5A93E3F5-C054-46B6-9CF1-E930E6169908}" type="datetimeFigureOut">
               <a:rPr lang="en-AU" smtClean="0"/>
-              <a:t>30/08/2025</a:t>
+              <a:t>1/09/2025</a:t>
             </a:fld>
             <a:endParaRPr lang="en-AU"/>
           </a:p>
@@ -5814,7 +7072,7 @@
           <a:p>
             <a:fld id="{5A93E3F5-C054-46B6-9CF1-E930E6169908}" type="datetimeFigureOut">
               <a:rPr lang="en-AU" smtClean="0"/>
-              <a:t>30/08/2025</a:t>
+              <a:t>1/09/2025</a:t>
             </a:fld>
             <a:endParaRPr lang="en-AU"/>
           </a:p>
@@ -6148,7 +7406,7 @@
           <a:p>
             <a:fld id="{5A93E3F5-C054-46B6-9CF1-E930E6169908}" type="datetimeFigureOut">
               <a:rPr lang="en-AU" smtClean="0"/>
-              <a:t>30/08/2025</a:t>
+              <a:t>1/09/2025</a:t>
             </a:fld>
             <a:endParaRPr lang="en-AU"/>
           </a:p>
@@ -6544,7 +7802,7 @@
           <a:p>
             <a:fld id="{5A93E3F5-C054-46B6-9CF1-E930E6169908}" type="datetimeFigureOut">
               <a:rPr lang="en-AU" smtClean="0"/>
-              <a:t>30/08/2025</a:t>
+              <a:t>1/09/2025</a:t>
             </a:fld>
             <a:endParaRPr lang="en-AU"/>
           </a:p>
@@ -6931,7 +8189,7 @@
           <a:p>
             <a:fld id="{5A93E3F5-C054-46B6-9CF1-E930E6169908}" type="datetimeFigureOut">
               <a:rPr lang="en-AU" smtClean="0"/>
-              <a:t>30/08/2025</a:t>
+              <a:t>1/09/2025</a:t>
             </a:fld>
             <a:endParaRPr lang="en-AU"/>
           </a:p>
@@ -7236,7 +8494,7 @@
           <a:p>
             <a:fld id="{5A93E3F5-C054-46B6-9CF1-E930E6169908}" type="datetimeFigureOut">
               <a:rPr lang="en-AU" smtClean="0"/>
-              <a:t>30/08/2025</a:t>
+              <a:t>1/09/2025</a:t>
             </a:fld>
             <a:endParaRPr lang="en-AU"/>
           </a:p>
@@ -7481,7 +8739,7 @@
           <a:p>
             <a:fld id="{5A93E3F5-C054-46B6-9CF1-E930E6169908}" type="datetimeFigureOut">
               <a:rPr lang="en-AU" smtClean="0"/>
-              <a:t>30/08/2025</a:t>
+              <a:t>1/09/2025</a:t>
             </a:fld>
             <a:endParaRPr lang="en-AU"/>
           </a:p>
@@ -7717,7 +8975,7 @@
           <a:p>
             <a:fld id="{5A93E3F5-C054-46B6-9CF1-E930E6169908}" type="datetimeFigureOut">
               <a:rPr lang="en-AU" smtClean="0"/>
-              <a:t>30/08/2025</a:t>
+              <a:t>1/09/2025</a:t>
             </a:fld>
             <a:endParaRPr lang="en-AU"/>
           </a:p>
@@ -8001,7 +9259,7 @@
           <a:p>
             <a:fld id="{5A93E3F5-C054-46B6-9CF1-E930E6169908}" type="datetimeFigureOut">
               <a:rPr lang="en-AU" smtClean="0"/>
-              <a:t>30/08/2025</a:t>
+              <a:t>1/09/2025</a:t>
             </a:fld>
             <a:endParaRPr lang="en-AU"/>
           </a:p>
@@ -8322,7 +9580,7 @@
           <a:p>
             <a:fld id="{5A93E3F5-C054-46B6-9CF1-E930E6169908}" type="datetimeFigureOut">
               <a:rPr lang="en-AU" smtClean="0"/>
-              <a:t>30/08/2025</a:t>
+              <a:t>1/09/2025</a:t>
             </a:fld>
             <a:endParaRPr lang="en-AU"/>
           </a:p>
@@ -8581,7 +9839,7 @@
           <a:p>
             <a:fld id="{5A93E3F5-C054-46B6-9CF1-E930E6169908}" type="datetimeFigureOut">
               <a:rPr lang="en-AU" smtClean="0"/>
-              <a:t>30/08/2025</a:t>
+              <a:t>1/09/2025</a:t>
             </a:fld>
             <a:endParaRPr lang="en-AU"/>
           </a:p>
@@ -8795,7 +10053,7 @@
           <a:p>
             <a:fld id="{5A93E3F5-C054-46B6-9CF1-E930E6169908}" type="datetimeFigureOut">
               <a:rPr lang="en-AU" smtClean="0"/>
-              <a:t>30/08/2025</a:t>
+              <a:t>1/09/2025</a:t>
             </a:fld>
             <a:endParaRPr lang="en-AU"/>
           </a:p>
@@ -8993,7 +10251,7 @@
           <a:p>
             <a:fld id="{5A93E3F5-C054-46B6-9CF1-E930E6169908}" type="datetimeFigureOut">
               <a:rPr lang="en-AU" smtClean="0"/>
-              <a:t>30/08/2025</a:t>
+              <a:t>1/09/2025</a:t>
             </a:fld>
             <a:endParaRPr lang="en-AU"/>
           </a:p>
@@ -9230,7 +10488,7 @@
           <a:p>
             <a:fld id="{5A93E3F5-C054-46B6-9CF1-E930E6169908}" type="datetimeFigureOut">
               <a:rPr lang="en-AU" smtClean="0"/>
-              <a:t>30/08/2025</a:t>
+              <a:t>1/09/2025</a:t>
             </a:fld>
             <a:endParaRPr lang="en-AU"/>
           </a:p>
@@ -9445,7 +10703,7 @@
           <a:p>
             <a:fld id="{5A93E3F5-C054-46B6-9CF1-E930E6169908}" type="datetimeFigureOut">
               <a:rPr lang="en-AU" smtClean="0"/>
-              <a:t>30/08/2025</a:t>
+              <a:t>1/09/2025</a:t>
             </a:fld>
             <a:endParaRPr lang="en-AU"/>
           </a:p>
@@ -9661,7 +10919,7 @@
           <a:p>
             <a:fld id="{5A93E3F5-C054-46B6-9CF1-E930E6169908}" type="datetimeFigureOut">
               <a:rPr lang="en-AU" smtClean="0"/>
-              <a:t>30/08/2025</a:t>
+              <a:t>1/09/2025</a:t>
             </a:fld>
             <a:endParaRPr lang="en-AU"/>
           </a:p>
@@ -9876,7 +11134,7 @@
           <a:p>
             <a:fld id="{5A93E3F5-C054-46B6-9CF1-E930E6169908}" type="datetimeFigureOut">
               <a:rPr lang="en-AU" smtClean="0"/>
-              <a:t>30/08/2025</a:t>
+              <a:t>1/09/2025</a:t>
             </a:fld>
             <a:endParaRPr lang="en-AU"/>
           </a:p>
@@ -10183,7 +11441,7 @@
           <a:p>
             <a:fld id="{5A93E3F5-C054-46B6-9CF1-E930E6169908}" type="datetimeFigureOut">
               <a:rPr lang="en-AU" smtClean="0"/>
-              <a:t>30/08/2025</a:t>
+              <a:t>1/09/2025</a:t>
             </a:fld>
             <a:endParaRPr lang="en-AU"/>
           </a:p>
@@ -10543,7 +11801,7 @@
           <a:p>
             <a:fld id="{5A93E3F5-C054-46B6-9CF1-E930E6169908}" type="datetimeFigureOut">
               <a:rPr lang="en-AU" smtClean="0"/>
-              <a:t>30/08/2025</a:t>
+              <a:t>1/09/2025</a:t>
             </a:fld>
             <a:endParaRPr lang="en-AU"/>
           </a:p>
@@ -10902,7 +12160,7 @@
           <a:p>
             <a:fld id="{5A93E3F5-C054-46B6-9CF1-E930E6169908}" type="datetimeFigureOut">
               <a:rPr lang="en-AU" smtClean="0"/>
-              <a:t>30/08/2025</a:t>
+              <a:t>1/09/2025</a:t>
             </a:fld>
             <a:endParaRPr lang="en-AU"/>
           </a:p>
@@ -11136,7 +12394,7 @@
           <a:p>
             <a:fld id="{5A93E3F5-C054-46B6-9CF1-E930E6169908}" type="datetimeFigureOut">
               <a:rPr lang="en-AU" smtClean="0"/>
-              <a:t>30/08/2025</a:t>
+              <a:t>1/09/2025</a:t>
             </a:fld>
             <a:endParaRPr lang="en-AU"/>
           </a:p>
@@ -11495,7 +12753,7 @@
           <a:p>
             <a:fld id="{5A93E3F5-C054-46B6-9CF1-E930E6169908}" type="datetimeFigureOut">
               <a:rPr lang="en-AU" smtClean="0"/>
-              <a:t>30/08/2025</a:t>
+              <a:t>1/09/2025</a:t>
             </a:fld>
             <a:endParaRPr lang="en-AU"/>
           </a:p>
@@ -11825,7 +13083,7 @@
           <a:p>
             <a:fld id="{5A93E3F5-C054-46B6-9CF1-E930E6169908}" type="datetimeFigureOut">
               <a:rPr lang="en-AU" smtClean="0"/>
-              <a:t>30/08/2025</a:t>
+              <a:t>1/09/2025</a:t>
             </a:fld>
             <a:endParaRPr lang="en-AU"/>
           </a:p>
@@ -12136,7 +13394,7 @@
           <a:p>
             <a:fld id="{5A93E3F5-C054-46B6-9CF1-E930E6169908}" type="datetimeFigureOut">
               <a:rPr lang="en-AU" smtClean="0"/>
-              <a:t>30/08/2025</a:t>
+              <a:t>1/09/2025</a:t>
             </a:fld>
             <a:endParaRPr lang="en-AU"/>
           </a:p>
@@ -12483,7 +13741,7 @@
           <a:p>
             <a:fld id="{5A93E3F5-C054-46B6-9CF1-E930E6169908}" type="datetimeFigureOut">
               <a:rPr lang="en-AU" smtClean="0"/>
-              <a:t>30/08/2025</a:t>
+              <a:t>1/09/2025</a:t>
             </a:fld>
             <a:endParaRPr lang="en-AU"/>
           </a:p>
@@ -12793,7 +14051,7 @@
           <a:p>
             <a:fld id="{5A93E3F5-C054-46B6-9CF1-E930E6169908}" type="datetimeFigureOut">
               <a:rPr lang="en-AU" smtClean="0"/>
-              <a:t>30/08/2025</a:t>
+              <a:t>1/09/2025</a:t>
             </a:fld>
             <a:endParaRPr lang="en-AU"/>
           </a:p>
@@ -13129,7 +14387,7 @@
           <a:p>
             <a:fld id="{5A93E3F5-C054-46B6-9CF1-E930E6169908}" type="datetimeFigureOut">
               <a:rPr lang="en-AU" smtClean="0"/>
-              <a:t>30/08/2025</a:t>
+              <a:t>1/09/2025</a:t>
             </a:fld>
             <a:endParaRPr lang="en-AU"/>
           </a:p>
@@ -13444,7 +14702,7 @@
           <a:p>
             <a:fld id="{5A93E3F5-C054-46B6-9CF1-E930E6169908}" type="datetimeFigureOut">
               <a:rPr lang="en-AU" smtClean="0"/>
-              <a:t>30/08/2025</a:t>
+              <a:t>1/09/2025</a:t>
             </a:fld>
             <a:endParaRPr lang="en-AU"/>
           </a:p>
@@ -13791,7 +15049,7 @@
           <a:p>
             <a:fld id="{5A93E3F5-C054-46B6-9CF1-E930E6169908}" type="datetimeFigureOut">
               <a:rPr lang="en-AU" smtClean="0"/>
-              <a:t>30/08/2025</a:t>
+              <a:t>1/09/2025</a:t>
             </a:fld>
             <a:endParaRPr lang="en-AU"/>
           </a:p>
@@ -14124,7 +15382,7 @@
           <a:p>
             <a:fld id="{5A93E3F5-C054-46B6-9CF1-E930E6169908}" type="datetimeFigureOut">
               <a:rPr lang="en-AU" smtClean="0"/>
-              <a:t>30/08/2025</a:t>
+              <a:t>1/09/2025</a:t>
             </a:fld>
             <a:endParaRPr lang="en-AU"/>
           </a:p>
@@ -14473,7 +15731,7 @@
           <a:p>
             <a:fld id="{5A93E3F5-C054-46B6-9CF1-E930E6169908}" type="datetimeFigureOut">
               <a:rPr lang="en-AU" smtClean="0"/>
-              <a:t>30/08/2025</a:t>
+              <a:t>1/09/2025</a:t>
             </a:fld>
             <a:endParaRPr lang="en-AU"/>
           </a:p>
@@ -14818,7 +16076,7 @@
           <a:p>
             <a:fld id="{5A93E3F5-C054-46B6-9CF1-E930E6169908}" type="datetimeFigureOut">
               <a:rPr lang="en-AU" smtClean="0"/>
-              <a:t>30/08/2025</a:t>
+              <a:t>1/09/2025</a:t>
             </a:fld>
             <a:endParaRPr lang="en-AU"/>
           </a:p>
@@ -15160,7 +16418,7 @@
           <a:p>
             <a:fld id="{5A93E3F5-C054-46B6-9CF1-E930E6169908}" type="datetimeFigureOut">
               <a:rPr lang="en-AU" smtClean="0"/>
-              <a:t>30/08/2025</a:t>
+              <a:t>1/09/2025</a:t>
             </a:fld>
             <a:endParaRPr lang="en-AU"/>
           </a:p>
@@ -15461,7 +16719,7 @@
           <a:p>
             <a:fld id="{5A93E3F5-C054-46B6-9CF1-E930E6169908}" type="datetimeFigureOut">
               <a:rPr lang="en-AU" smtClean="0"/>
-              <a:t>30/08/2025</a:t>
+              <a:t>1/09/2025</a:t>
             </a:fld>
             <a:endParaRPr lang="en-AU"/>
           </a:p>
@@ -15723,7 +16981,7 @@
           <a:p>
             <a:fld id="{5A93E3F5-C054-46B6-9CF1-E930E6169908}" type="datetimeFigureOut">
               <a:rPr lang="en-AU" smtClean="0"/>
-              <a:t>30/08/2025</a:t>
+              <a:t>1/09/2025</a:t>
             </a:fld>
             <a:endParaRPr lang="en-AU"/>
           </a:p>
@@ -16031,7 +17289,7 @@
           <a:p>
             <a:fld id="{5A93E3F5-C054-46B6-9CF1-E930E6169908}" type="datetimeFigureOut">
               <a:rPr lang="en-AU" smtClean="0"/>
-              <a:t>30/08/2025</a:t>
+              <a:t>1/09/2025</a:t>
             </a:fld>
             <a:endParaRPr lang="en-AU"/>
           </a:p>
@@ -16355,7 +17613,7 @@
           <a:p>
             <a:fld id="{5A93E3F5-C054-46B6-9CF1-E930E6169908}" type="datetimeFigureOut">
               <a:rPr lang="en-AU" smtClean="0"/>
-              <a:t>30/08/2025</a:t>
+              <a:t>1/09/2025</a:t>
             </a:fld>
             <a:endParaRPr lang="en-AU"/>
           </a:p>
@@ -16756,7 +18014,7 @@
           <a:p>
             <a:fld id="{5A93E3F5-C054-46B6-9CF1-E930E6169908}" type="datetimeFigureOut">
               <a:rPr lang="en-AU" smtClean="0"/>
-              <a:t>30/08/2025</a:t>
+              <a:t>1/09/2025</a:t>
             </a:fld>
             <a:endParaRPr lang="en-AU"/>
           </a:p>
@@ -17080,7 +18338,7 @@
           <a:p>
             <a:fld id="{5A93E3F5-C054-46B6-9CF1-E930E6169908}" type="datetimeFigureOut">
               <a:rPr lang="en-AU" smtClean="0"/>
-              <a:t>30/08/2025</a:t>
+              <a:t>1/09/2025</a:t>
             </a:fld>
             <a:endParaRPr lang="en-AU"/>
           </a:p>
@@ -17317,7 +18575,7 @@
           <a:p>
             <a:fld id="{5A93E3F5-C054-46B6-9CF1-E930E6169908}" type="datetimeFigureOut">
               <a:rPr lang="en-AU" smtClean="0"/>
-              <a:t>30/08/2025</a:t>
+              <a:t>1/09/2025</a:t>
             </a:fld>
             <a:endParaRPr lang="en-AU"/>
           </a:p>
@@ -17609,7 +18867,7 @@
           <a:p>
             <a:fld id="{5A93E3F5-C054-46B6-9CF1-E930E6169908}" type="datetimeFigureOut">
               <a:rPr lang="en-AU" smtClean="0"/>
-              <a:t>30/08/2025</a:t>
+              <a:t>1/09/2025</a:t>
             </a:fld>
             <a:endParaRPr lang="en-AU"/>
           </a:p>
@@ -17901,7 +19159,7 @@
           <a:p>
             <a:fld id="{5A93E3F5-C054-46B6-9CF1-E930E6169908}" type="datetimeFigureOut">
               <a:rPr lang="en-AU" smtClean="0"/>
-              <a:t>30/08/2025</a:t>
+              <a:t>1/09/2025</a:t>
             </a:fld>
             <a:endParaRPr lang="en-AU"/>
           </a:p>
@@ -18101,7 +19359,7 @@
           <a:p>
             <a:fld id="{5A93E3F5-C054-46B6-9CF1-E930E6169908}" type="datetimeFigureOut">
               <a:rPr lang="en-AU" smtClean="0"/>
-              <a:t>30/08/2025</a:t>
+              <a:t>1/09/2025</a:t>
             </a:fld>
             <a:endParaRPr lang="en-AU"/>
           </a:p>
@@ -18347,7 +19605,7 @@
           <a:p>
             <a:fld id="{5A93E3F5-C054-46B6-9CF1-E930E6169908}" type="datetimeFigureOut">
               <a:rPr lang="en-AU" smtClean="0"/>
-              <a:t>30/08/2025</a:t>
+              <a:t>1/09/2025</a:t>
             </a:fld>
             <a:endParaRPr lang="en-AU"/>
           </a:p>
@@ -18657,7 +19915,7 @@
           <a:p>
             <a:fld id="{5A93E3F5-C054-46B6-9CF1-E930E6169908}" type="datetimeFigureOut">
               <a:rPr lang="en-AU" smtClean="0"/>
-              <a:t>30/08/2025</a:t>
+              <a:t>1/09/2025</a:t>
             </a:fld>
             <a:endParaRPr lang="en-AU"/>
           </a:p>
@@ -18929,7 +20187,7 @@
           <a:p>
             <a:fld id="{5A93E3F5-C054-46B6-9CF1-E930E6169908}" type="datetimeFigureOut">
               <a:rPr lang="en-AU" smtClean="0"/>
-              <a:t>30/08/2025</a:t>
+              <a:t>1/09/2025</a:t>
             </a:fld>
             <a:endParaRPr lang="en-AU"/>
           </a:p>
@@ -19235,7 +20493,7 @@
           <a:p>
             <a:fld id="{5A93E3F5-C054-46B6-9CF1-E930E6169908}" type="datetimeFigureOut">
               <a:rPr lang="en-AU" smtClean="0"/>
-              <a:t>30/08/2025</a:t>
+              <a:t>1/09/2025</a:t>
             </a:fld>
             <a:endParaRPr lang="en-AU"/>
           </a:p>
@@ -19502,7 +20760,7 @@
           <a:p>
             <a:fld id="{5A93E3F5-C054-46B6-9CF1-E930E6169908}" type="datetimeFigureOut">
               <a:rPr lang="en-AU" smtClean="0"/>
-              <a:t>30/08/2025</a:t>
+              <a:t>1/09/2025</a:t>
             </a:fld>
             <a:endParaRPr lang="en-AU"/>
           </a:p>
@@ -19817,7 +21075,7 @@
           <a:p>
             <a:fld id="{5A93E3F5-C054-46B6-9CF1-E930E6169908}" type="datetimeFigureOut">
               <a:rPr lang="en-AU" smtClean="0"/>
-              <a:t>30/08/2025</a:t>
+              <a:t>1/09/2025</a:t>
             </a:fld>
             <a:endParaRPr lang="en-AU"/>
           </a:p>
@@ -20125,7 +21383,7 @@
           <a:p>
             <a:fld id="{5A93E3F5-C054-46B6-9CF1-E930E6169908}" type="datetimeFigureOut">
               <a:rPr lang="en-AU" smtClean="0"/>
-              <a:t>30/08/2025</a:t>
+              <a:t>1/09/2025</a:t>
             </a:fld>
             <a:endParaRPr lang="en-AU"/>
           </a:p>
@@ -20331,7 +21589,7 @@
           <a:p>
             <a:fld id="{5A93E3F5-C054-46B6-9CF1-E930E6169908}" type="datetimeFigureOut">
               <a:rPr lang="en-AU" smtClean="0"/>
-              <a:t>30/08/2025</a:t>
+              <a:t>1/09/2025</a:t>
             </a:fld>
             <a:endParaRPr lang="en-AU"/>
           </a:p>
@@ -20650,7 +21908,7 @@
           <a:p>
             <a:fld id="{5A93E3F5-C054-46B6-9CF1-E930E6169908}" type="datetimeFigureOut">
               <a:rPr lang="en-AU" smtClean="0"/>
-              <a:t>30/08/2025</a:t>
+              <a:t>1/09/2025</a:t>
             </a:fld>
             <a:endParaRPr lang="en-AU"/>
           </a:p>
@@ -20958,7 +22216,7 @@
           <a:p>
             <a:fld id="{5A93E3F5-C054-46B6-9CF1-E930E6169908}" type="datetimeFigureOut">
               <a:rPr lang="en-AU" smtClean="0"/>
-              <a:t>30/08/2025</a:t>
+              <a:t>1/09/2025</a:t>
             </a:fld>
             <a:endParaRPr lang="en-AU"/>
           </a:p>
@@ -21241,7 +22499,7 @@
           <a:p>
             <a:fld id="{5A93E3F5-C054-46B6-9CF1-E930E6169908}" type="datetimeFigureOut">
               <a:rPr lang="en-AU" smtClean="0"/>
-              <a:t>30/08/2025</a:t>
+              <a:t>1/09/2025</a:t>
             </a:fld>
             <a:endParaRPr lang="en-AU"/>
           </a:p>
@@ -21483,7 +22741,7 @@
           <a:p>
             <a:fld id="{5A93E3F5-C054-46B6-9CF1-E930E6169908}" type="datetimeFigureOut">
               <a:rPr lang="en-AU" smtClean="0"/>
-              <a:t>30/08/2025</a:t>
+              <a:t>1/09/2025</a:t>
             </a:fld>
             <a:endParaRPr lang="en-AU"/>
           </a:p>
@@ -21722,7 +22980,7 @@
           <a:p>
             <a:fld id="{5A93E3F5-C054-46B6-9CF1-E930E6169908}" type="datetimeFigureOut">
               <a:rPr lang="en-AU" smtClean="0"/>
-              <a:t>30/08/2025</a:t>
+              <a:t>1/09/2025</a:t>
             </a:fld>
             <a:endParaRPr lang="en-AU"/>
           </a:p>
@@ -21975,7 +23233,7 @@
           <a:p>
             <a:fld id="{5A93E3F5-C054-46B6-9CF1-E930E6169908}" type="datetimeFigureOut">
               <a:rPr lang="en-AU" smtClean="0"/>
-              <a:t>30/08/2025</a:t>
+              <a:t>1/09/2025</a:t>
             </a:fld>
             <a:endParaRPr lang="en-AU"/>
           </a:p>
@@ -22247,7 +23505,7 @@
           <a:p>
             <a:fld id="{5A93E3F5-C054-46B6-9CF1-E930E6169908}" type="datetimeFigureOut">
               <a:rPr lang="en-AU" smtClean="0"/>
-              <a:t>30/08/2025</a:t>
+              <a:t>1/09/2025</a:t>
             </a:fld>
             <a:endParaRPr lang="en-AU"/>
           </a:p>
@@ -22671,7 +23929,7 @@
           <a:p>
             <a:fld id="{5A93E3F5-C054-46B6-9CF1-E930E6169908}" type="datetimeFigureOut">
               <a:rPr lang="en-AU" smtClean="0"/>
-              <a:t>30/08/2025</a:t>
+              <a:t>1/09/2025</a:t>
             </a:fld>
             <a:endParaRPr lang="en-AU"/>
           </a:p>
@@ -22991,7 +24249,7 @@
           <a:p>
             <a:fld id="{5A93E3F5-C054-46B6-9CF1-E930E6169908}" type="datetimeFigureOut">
               <a:rPr lang="en-AU" smtClean="0"/>
-              <a:t>30/08/2025</a:t>
+              <a:t>1/09/2025</a:t>
             </a:fld>
             <a:endParaRPr lang="en-AU"/>
           </a:p>
@@ -23542,7 +24800,7 @@
           <p:cNvPr id="4" name="Rectangle 3">
             <a:extLst>
               <a:ext uri="{FF2B5EF4-FFF2-40B4-BE49-F238E27FC236}">
-                <a16:creationId xmlns:a16="http://schemas.microsoft.com/office/drawing/2014/main" id="{31E6AA85-1E54-5F0C-E499-4F66D76AA329}"/>
+                <a16:creationId xmlns:a16="http://schemas.microsoft.com/office/drawing/2014/main" id="{15D73C47-2770-30A3-51F7-BA0B51D668C7}"/>
               </a:ext>
             </a:extLst>
           </p:cNvPr>
@@ -23583,129 +24841,6 @@
           </a:p>
         </p:txBody>
       </p:sp>
-      <p:pic>
-        <p:nvPicPr>
-          <p:cNvPr id="1026" name="Picture 2" descr="Home - Dapr Agents">
-            <a:extLst>
-              <a:ext uri="{FF2B5EF4-FFF2-40B4-BE49-F238E27FC236}">
-                <a16:creationId xmlns:a16="http://schemas.microsoft.com/office/drawing/2014/main" id="{3EA83C2E-55C9-5BAA-9DA7-6F7EAF3DADA5}"/>
-              </a:ext>
-            </a:extLst>
-          </p:cNvPr>
-          <p:cNvPicPr>
-            <a:picLocks noChangeAspect="1" noChangeArrowheads="1"/>
-          </p:cNvPicPr>
-          <p:nvPr/>
-        </p:nvPicPr>
-        <p:blipFill>
-          <a:blip r:embed="rId2">
-            <a:extLst>
-              <a:ext uri="{28A0092B-C50C-407E-A947-70E740481C1C}">
-                <a14:useLocalDpi xmlns:a14="http://schemas.microsoft.com/office/drawing/2010/main" val="0"/>
-              </a:ext>
-            </a:extLst>
-          </a:blip>
-          <a:srcRect/>
-          <a:stretch>
-            <a:fillRect/>
-          </a:stretch>
-        </p:blipFill>
-        <p:spPr bwMode="auto">
-          <a:xfrm>
-            <a:off x="2006930" y="942820"/>
-            <a:ext cx="4972360" cy="4972360"/>
-          </a:xfrm>
-          <a:prstGeom prst="rect">
-            <a:avLst/>
-          </a:prstGeom>
-          <a:noFill/>
-          <a:extLst>
-            <a:ext uri="{909E8E84-426E-40DD-AFC4-6F175D3DCCD1}">
-              <a14:hiddenFill xmlns:a14="http://schemas.microsoft.com/office/drawing/2010/main">
-                <a:solidFill>
-                  <a:srgbClr val="FFFFFF"/>
-                </a:solidFill>
-              </a14:hiddenFill>
-            </a:ext>
-          </a:extLst>
-        </p:spPr>
-      </p:pic>
-    </p:spTree>
-    <p:extLst>
-      <p:ext uri="{BB962C8B-B14F-4D97-AF65-F5344CB8AC3E}">
-        <p14:creationId xmlns:p14="http://schemas.microsoft.com/office/powerpoint/2010/main" val="1130843247"/>
-      </p:ext>
-    </p:extLst>
-  </p:cSld>
-  <p:clrMapOvr>
-    <a:masterClrMapping/>
-  </p:clrMapOvr>
-</p:sld>
-</file>
-
-<file path=ppt/slides/slide2.xml><?xml version="1.0" encoding="utf-8"?>
-<p:sld xmlns:a="http://schemas.openxmlformats.org/drawingml/2006/main" xmlns:r="http://schemas.openxmlformats.org/officeDocument/2006/relationships" xmlns:p="http://schemas.openxmlformats.org/presentationml/2006/main">
-  <p:cSld>
-    <p:spTree>
-      <p:nvGrpSpPr>
-        <p:cNvPr id="1" name=""/>
-        <p:cNvGrpSpPr/>
-        <p:nvPr/>
-      </p:nvGrpSpPr>
-      <p:grpSpPr>
-        <a:xfrm>
-          <a:off x="0" y="0"/>
-          <a:ext cx="0" cy="0"/>
-          <a:chOff x="0" y="0"/>
-          <a:chExt cx="0" cy="0"/>
-        </a:xfrm>
-      </p:grpSpPr>
-      <p:sp>
-        <p:nvSpPr>
-          <p:cNvPr id="4" name="Rectangle 3">
-            <a:extLst>
-              <a:ext uri="{FF2B5EF4-FFF2-40B4-BE49-F238E27FC236}">
-                <a16:creationId xmlns:a16="http://schemas.microsoft.com/office/drawing/2014/main" id="{15D73C47-2770-30A3-51F7-BA0B51D668C7}"/>
-              </a:ext>
-            </a:extLst>
-          </p:cNvPr>
-          <p:cNvSpPr/>
-          <p:nvPr/>
-        </p:nvSpPr>
-        <p:spPr>
-          <a:xfrm>
-            <a:off x="8953995" y="3764478"/>
-            <a:ext cx="3238005" cy="3093522"/>
-          </a:xfrm>
-          <a:prstGeom prst="rect">
-            <a:avLst/>
-          </a:prstGeom>
-        </p:spPr>
-        <p:style>
-          <a:lnRef idx="2">
-            <a:schemeClr val="accent1">
-              <a:shade val="15000"/>
-            </a:schemeClr>
-          </a:lnRef>
-          <a:fillRef idx="1">
-            <a:schemeClr val="accent1"/>
-          </a:fillRef>
-          <a:effectRef idx="0">
-            <a:schemeClr val="accent1"/>
-          </a:effectRef>
-          <a:fontRef idx="minor">
-            <a:schemeClr val="lt1"/>
-          </a:fontRef>
-        </p:style>
-        <p:txBody>
-          <a:bodyPr rtlCol="0" anchor="ctr"/>
-          <a:lstStyle/>
-          <a:p>
-            <a:pPr algn="ctr"/>
-            <a:endParaRPr lang="en-AU"/>
-          </a:p>
-        </p:txBody>
-      </p:sp>
       <p:graphicFrame>
         <p:nvGraphicFramePr>
           <p:cNvPr id="5" name="Diagram 4">
@@ -23724,7 +24859,7 @@
         </p:xfrm>
         <a:graphic>
           <a:graphicData uri="http://schemas.openxmlformats.org/drawingml/2006/diagram">
-            <dgm:relIds xmlns:dgm="http://schemas.openxmlformats.org/drawingml/2006/diagram" xmlns:r="http://schemas.openxmlformats.org/officeDocument/2006/relationships" r:dm="rId2" r:lo="rId3" r:qs="rId4" r:cs="rId5"/>
+            <dgm:relIds xmlns:dgm="http://schemas.openxmlformats.org/drawingml/2006/diagram" xmlns:r="http://schemas.openxmlformats.org/officeDocument/2006/relationships" r:dm="rId3" r:lo="rId4" r:qs="rId5" r:cs="rId6"/>
           </a:graphicData>
         </a:graphic>
       </p:graphicFrame>
@@ -23743,7 +24878,7 @@
           <p:nvPr/>
         </p:nvPicPr>
         <p:blipFill>
-          <a:blip r:embed="rId7">
+          <a:blip r:embed="rId8">
             <a:extLst>
               <a:ext uri="{28A0092B-C50C-407E-A947-70E740481C1C}">
                 <a14:useLocalDpi xmlns:a14="http://schemas.microsoft.com/office/drawing/2010/main" val="0"/>
@@ -23775,6 +24910,58 @@
           </a:extLst>
         </p:spPr>
       </p:pic>
+      <p:sp>
+        <p:nvSpPr>
+          <p:cNvPr id="2" name="Rectangle 1">
+            <a:extLst>
+              <a:ext uri="{FF2B5EF4-FFF2-40B4-BE49-F238E27FC236}">
+                <a16:creationId xmlns:a16="http://schemas.microsoft.com/office/drawing/2014/main" id="{CFF70A83-D4DC-DB24-4A62-4D7E86B4B967}"/>
+              </a:ext>
+            </a:extLst>
+          </p:cNvPr>
+          <p:cNvSpPr/>
+          <p:nvPr/>
+        </p:nvSpPr>
+        <p:spPr>
+          <a:xfrm>
+            <a:off x="4789437" y="3214607"/>
+            <a:ext cx="1680189" cy="1091922"/>
+          </a:xfrm>
+          <a:prstGeom prst="rect">
+            <a:avLst/>
+          </a:prstGeom>
+          <a:noFill/>
+          <a:ln w="63500">
+            <a:solidFill>
+              <a:srgbClr val="FF0000"/>
+            </a:solidFill>
+          </a:ln>
+        </p:spPr>
+        <p:style>
+          <a:lnRef idx="2">
+            <a:schemeClr val="accent1">
+              <a:shade val="15000"/>
+            </a:schemeClr>
+          </a:lnRef>
+          <a:fillRef idx="1">
+            <a:schemeClr val="accent1"/>
+          </a:fillRef>
+          <a:effectRef idx="0">
+            <a:schemeClr val="accent1"/>
+          </a:effectRef>
+          <a:fontRef idx="minor">
+            <a:schemeClr val="lt1"/>
+          </a:fontRef>
+        </p:style>
+        <p:txBody>
+          <a:bodyPr rtlCol="0" anchor="ctr"/>
+          <a:lstStyle/>
+          <a:p>
+            <a:pPr algn="ctr"/>
+            <a:endParaRPr lang="en-AU"/>
+          </a:p>
+        </p:txBody>
+      </p:sp>
     </p:spTree>
     <p:extLst>
       <p:ext uri="{BB962C8B-B14F-4D97-AF65-F5344CB8AC3E}">
@@ -23785,10 +24972,96 @@
   <p:clrMapOvr>
     <a:masterClrMapping/>
   </p:clrMapOvr>
+  <p:timing>
+    <p:tnLst>
+      <p:par>
+        <p:cTn id="1" dur="indefinite" restart="never" nodeType="tmRoot">
+          <p:childTnLst>
+            <p:seq concurrent="1" nextAc="seek">
+              <p:cTn id="2" dur="indefinite" nodeType="mainSeq">
+                <p:childTnLst>
+                  <p:par>
+                    <p:cTn id="3" fill="hold">
+                      <p:stCondLst>
+                        <p:cond delay="indefinite"/>
+                      </p:stCondLst>
+                      <p:childTnLst>
+                        <p:par>
+                          <p:cTn id="4" fill="hold">
+                            <p:stCondLst>
+                              <p:cond delay="0"/>
+                            </p:stCondLst>
+                            <p:childTnLst>
+                              <p:par>
+                                <p:cTn id="5" presetID="10" presetClass="entr" presetSubtype="0" fill="hold" grpId="0" nodeType="clickEffect">
+                                  <p:stCondLst>
+                                    <p:cond delay="0"/>
+                                  </p:stCondLst>
+                                  <p:childTnLst>
+                                    <p:set>
+                                      <p:cBhvr>
+                                        <p:cTn id="6" dur="1" fill="hold">
+                                          <p:stCondLst>
+                                            <p:cond delay="0"/>
+                                          </p:stCondLst>
+                                        </p:cTn>
+                                        <p:tgtEl>
+                                          <p:spTgt spid="2"/>
+                                        </p:tgtEl>
+                                        <p:attrNameLst>
+                                          <p:attrName>style.visibility</p:attrName>
+                                        </p:attrNameLst>
+                                      </p:cBhvr>
+                                      <p:to>
+                                        <p:strVal val="visible"/>
+                                      </p:to>
+                                    </p:set>
+                                    <p:animEffect transition="in" filter="fade">
+                                      <p:cBhvr>
+                                        <p:cTn id="7" dur="500"/>
+                                        <p:tgtEl>
+                                          <p:spTgt spid="2"/>
+                                        </p:tgtEl>
+                                      </p:cBhvr>
+                                    </p:animEffect>
+                                  </p:childTnLst>
+                                </p:cTn>
+                              </p:par>
+                            </p:childTnLst>
+                          </p:cTn>
+                        </p:par>
+                      </p:childTnLst>
+                    </p:cTn>
+                  </p:par>
+                </p:childTnLst>
+              </p:cTn>
+              <p:prevCondLst>
+                <p:cond evt="onPrev" delay="0">
+                  <p:tgtEl>
+                    <p:sldTgt/>
+                  </p:tgtEl>
+                </p:cond>
+              </p:prevCondLst>
+              <p:nextCondLst>
+                <p:cond evt="onNext" delay="0">
+                  <p:tgtEl>
+                    <p:sldTgt/>
+                  </p:tgtEl>
+                </p:cond>
+              </p:nextCondLst>
+            </p:seq>
+          </p:childTnLst>
+        </p:cTn>
+      </p:par>
+    </p:tnLst>
+    <p:bldLst>
+      <p:bldP spid="2" grpId="0" animBg="1"/>
+    </p:bldLst>
+  </p:timing>
 </p:sld>
 </file>
 
-<file path=ppt/slides/slide3.xml><?xml version="1.0" encoding="utf-8"?>
+<file path=ppt/slides/slide2.xml><?xml version="1.0" encoding="utf-8"?>
 <p:sld xmlns:a="http://schemas.openxmlformats.org/drawingml/2006/main" xmlns:r="http://schemas.openxmlformats.org/officeDocument/2006/relationships" xmlns:p="http://schemas.openxmlformats.org/presentationml/2006/main">
   <p:cSld>
     <p:spTree>
@@ -23957,7 +25230,7 @@
           <p:nvPr/>
         </p:nvPicPr>
         <p:blipFill>
-          <a:blip r:embed="rId2">
+          <a:blip r:embed="rId3">
             <a:extLst>
               <a:ext uri="{28A0092B-C50C-407E-A947-70E740481C1C}">
                 <a14:useLocalDpi xmlns:a14="http://schemas.microsoft.com/office/drawing/2010/main" val="0"/>
@@ -23999,10 +25272,22 @@
   <p:clrMapOvr>
     <a:masterClrMapping/>
   </p:clrMapOvr>
+  <mc:AlternateContent xmlns:mc="http://schemas.openxmlformats.org/markup-compatibility/2006">
+    <mc:Choice xmlns:p14="http://schemas.microsoft.com/office/powerpoint/2010/main" Requires="p14">
+      <p:transition spd="med" p14:dur="700">
+        <p:fade/>
+      </p:transition>
+    </mc:Choice>
+    <mc:Fallback>
+      <p:transition spd="med">
+        <p:fade/>
+      </p:transition>
+    </mc:Fallback>
+  </mc:AlternateContent>
 </p:sld>
 </file>
 
-<file path=ppt/slides/slide4.xml><?xml version="1.0" encoding="utf-8"?>
+<file path=ppt/slides/slide3.xml><?xml version="1.0" encoding="utf-8"?>
 <p:sld xmlns:a="http://schemas.openxmlformats.org/drawingml/2006/main" xmlns:r="http://schemas.openxmlformats.org/officeDocument/2006/relationships" xmlns:p="http://schemas.openxmlformats.org/presentationml/2006/main">
   <p:cSld>
     <p:spTree>
@@ -24114,7 +25399,7 @@
           <p:nvPr/>
         </p:nvPicPr>
         <p:blipFill>
-          <a:blip r:embed="rId2">
+          <a:blip r:embed="rId3">
             <a:extLst>
               <a:ext uri="{28A0092B-C50C-407E-A947-70E740481C1C}">
                 <a14:useLocalDpi xmlns:a14="http://schemas.microsoft.com/office/drawing/2010/main" val="0"/>
@@ -24376,7 +25661,7 @@
           <p:nvPr/>
         </p:nvPicPr>
         <p:blipFill>
-          <a:blip r:embed="rId3"/>
+          <a:blip r:embed="rId4"/>
           <a:stretch>
             <a:fillRect/>
           </a:stretch>
@@ -24402,6 +25687,18 @@
   <p:clrMapOvr>
     <a:masterClrMapping/>
   </p:clrMapOvr>
+  <mc:AlternateContent xmlns:mc="http://schemas.openxmlformats.org/markup-compatibility/2006">
+    <mc:Choice xmlns:p14="http://schemas.microsoft.com/office/powerpoint/2010/main" Requires="p14">
+      <p:transition spd="med" p14:dur="700">
+        <p:fade/>
+      </p:transition>
+    </mc:Choice>
+    <mc:Fallback>
+      <p:transition spd="med">
+        <p:fade/>
+      </p:transition>
+    </mc:Fallback>
+  </mc:AlternateContent>
   <p:timing>
     <p:tnLst>
       <p:par>
@@ -24658,7 +25955,7 @@
 </p:sld>
 </file>
 
-<file path=ppt/slides/slide5.xml><?xml version="1.0" encoding="utf-8"?>
+<file path=ppt/slides/slide4.xml><?xml version="1.0" encoding="utf-8"?>
 <p:sld xmlns:a="http://schemas.openxmlformats.org/drawingml/2006/main" xmlns:r="http://schemas.openxmlformats.org/officeDocument/2006/relationships" xmlns:p="http://schemas.openxmlformats.org/presentationml/2006/main">
   <p:cSld>
     <p:spTree>
@@ -24854,7 +26151,7 @@
           <p:nvPr/>
         </p:nvPicPr>
         <p:blipFill>
-          <a:blip r:embed="rId2">
+          <a:blip r:embed="rId3">
             <a:extLst>
               <a:ext uri="{28A0092B-C50C-407E-A947-70E740481C1C}">
                 <a14:useLocalDpi xmlns:a14="http://schemas.microsoft.com/office/drawing/2010/main" val="0"/>
@@ -24896,10 +26193,22 @@
   <p:clrMapOvr>
     <a:masterClrMapping/>
   </p:clrMapOvr>
+  <mc:AlternateContent xmlns:mc="http://schemas.openxmlformats.org/markup-compatibility/2006">
+    <mc:Choice xmlns:p14="http://schemas.microsoft.com/office/powerpoint/2010/main" Requires="p14">
+      <p:transition spd="med" p14:dur="700">
+        <p:fade/>
+      </p:transition>
+    </mc:Choice>
+    <mc:Fallback>
+      <p:transition spd="med">
+        <p:fade/>
+      </p:transition>
+    </mc:Fallback>
+  </mc:AlternateContent>
 </p:sld>
 </file>
 
-<file path=ppt/slides/slide6.xml><?xml version="1.0" encoding="utf-8"?>
+<file path=ppt/slides/slide5.xml><?xml version="1.0" encoding="utf-8"?>
 <p:sld xmlns:a="http://schemas.openxmlformats.org/drawingml/2006/main" xmlns:r="http://schemas.openxmlformats.org/officeDocument/2006/relationships" xmlns:p="http://schemas.openxmlformats.org/presentationml/2006/main">
   <p:cSld>
     <p:spTree>
@@ -25083,7 +26392,7 @@
           <p:nvPr/>
         </p:nvPicPr>
         <p:blipFill>
-          <a:blip r:embed="rId2">
+          <a:blip r:embed="rId3">
             <a:extLst>
               <a:ext uri="{28A0092B-C50C-407E-A947-70E740481C1C}">
                 <a14:useLocalDpi xmlns:a14="http://schemas.microsoft.com/office/drawing/2010/main" val="0"/>
@@ -25125,6 +26434,18 @@
   <p:clrMapOvr>
     <a:masterClrMapping/>
   </p:clrMapOvr>
+  <mc:AlternateContent xmlns:mc="http://schemas.openxmlformats.org/markup-compatibility/2006">
+    <mc:Choice xmlns:p14="http://schemas.microsoft.com/office/powerpoint/2010/main" Requires="p14">
+      <p:transition spd="med" p14:dur="700">
+        <p:fade/>
+      </p:transition>
+    </mc:Choice>
+    <mc:Fallback>
+      <p:transition spd="med">
+        <p:fade/>
+      </p:transition>
+    </mc:Fallback>
+  </mc:AlternateContent>
 </p:sld>
 </file>
 
@@ -25327,4 +26648,319 @@
     </a:ext>
   </a:extLst>
 </a:theme>
+</file>
+
+<file path=ppt/theme/theme2.xml><?xml version="1.0" encoding="utf-8"?>
+<a:theme xmlns:a="http://schemas.openxmlformats.org/drawingml/2006/main" name="Office Theme">
+  <a:themeElements>
+    <a:clrScheme name="Office">
+      <a:dk1>
+        <a:sysClr val="windowText" lastClr="000000"/>
+      </a:dk1>
+      <a:lt1>
+        <a:sysClr val="window" lastClr="FFFFFF"/>
+      </a:lt1>
+      <a:dk2>
+        <a:srgbClr val="0E2841"/>
+      </a:dk2>
+      <a:lt2>
+        <a:srgbClr val="E8E8E8"/>
+      </a:lt2>
+      <a:accent1>
+        <a:srgbClr val="156082"/>
+      </a:accent1>
+      <a:accent2>
+        <a:srgbClr val="E97132"/>
+      </a:accent2>
+      <a:accent3>
+        <a:srgbClr val="196B24"/>
+      </a:accent3>
+      <a:accent4>
+        <a:srgbClr val="0F9ED5"/>
+      </a:accent4>
+      <a:accent5>
+        <a:srgbClr val="A02B93"/>
+      </a:accent5>
+      <a:accent6>
+        <a:srgbClr val="4EA72E"/>
+      </a:accent6>
+      <a:hlink>
+        <a:srgbClr val="467886"/>
+      </a:hlink>
+      <a:folHlink>
+        <a:srgbClr val="96607D"/>
+      </a:folHlink>
+    </a:clrScheme>
+    <a:fontScheme name="Office">
+      <a:majorFont>
+        <a:latin typeface="Aptos Display" panose="02110004020202020204"/>
+        <a:ea typeface=""/>
+        <a:cs typeface=""/>
+        <a:font script="Jpan" typeface="游ゴシック Light"/>
+        <a:font script="Hang" typeface="맑은 고딕"/>
+        <a:font script="Hans" typeface="等线 Light"/>
+        <a:font script="Hant" typeface="新細明體"/>
+        <a:font script="Arab" typeface="Times New Roman"/>
+        <a:font script="Hebr" typeface="Times New Roman"/>
+        <a:font script="Thai" typeface="Angsana New"/>
+        <a:font script="Ethi" typeface="Nyala"/>
+        <a:font script="Beng" typeface="Vrinda"/>
+        <a:font script="Gujr" typeface="Shruti"/>
+        <a:font script="Khmr" typeface="MoolBoran"/>
+        <a:font script="Knda" typeface="Tunga"/>
+        <a:font script="Guru" typeface="Raavi"/>
+        <a:font script="Cans" typeface="Euphemia"/>
+        <a:font script="Cher" typeface="Plantagenet Cherokee"/>
+        <a:font script="Yiii" typeface="Microsoft Yi Baiti"/>
+        <a:font script="Tibt" typeface="Microsoft Himalaya"/>
+        <a:font script="Thaa" typeface="MV Boli"/>
+        <a:font script="Deva" typeface="Mangal"/>
+        <a:font script="Telu" typeface="Gautami"/>
+        <a:font script="Taml" typeface="Latha"/>
+        <a:font script="Syrc" typeface="Estrangelo Edessa"/>
+        <a:font script="Orya" typeface="Kalinga"/>
+        <a:font script="Mlym" typeface="Kartika"/>
+        <a:font script="Laoo" typeface="DokChampa"/>
+        <a:font script="Sinh" typeface="Iskoola Pota"/>
+        <a:font script="Mong" typeface="Mongolian Baiti"/>
+        <a:font script="Viet" typeface="Times New Roman"/>
+        <a:font script="Uigh" typeface="Microsoft Uighur"/>
+        <a:font script="Geor" typeface="Sylfaen"/>
+        <a:font script="Armn" typeface="Arial"/>
+        <a:font script="Bugi" typeface="Leelawadee UI"/>
+        <a:font script="Bopo" typeface="Microsoft JhengHei"/>
+        <a:font script="Java" typeface="Javanese Text"/>
+        <a:font script="Lisu" typeface="Segoe UI"/>
+        <a:font script="Mymr" typeface="Myanmar Text"/>
+        <a:font script="Nkoo" typeface="Ebrima"/>
+        <a:font script="Olck" typeface="Nirmala UI"/>
+        <a:font script="Osma" typeface="Ebrima"/>
+        <a:font script="Phag" typeface="Phagspa"/>
+        <a:font script="Syrn" typeface="Estrangelo Edessa"/>
+        <a:font script="Syrj" typeface="Estrangelo Edessa"/>
+        <a:font script="Syre" typeface="Estrangelo Edessa"/>
+        <a:font script="Sora" typeface="Nirmala UI"/>
+        <a:font script="Tale" typeface="Microsoft Tai Le"/>
+        <a:font script="Talu" typeface="Microsoft New Tai Lue"/>
+        <a:font script="Tfng" typeface="Ebrima"/>
+      </a:majorFont>
+      <a:minorFont>
+        <a:latin typeface="Aptos" panose="02110004020202020204"/>
+        <a:ea typeface=""/>
+        <a:cs typeface=""/>
+        <a:font script="Jpan" typeface="游ゴシック"/>
+        <a:font script="Hang" typeface="맑은 고딕"/>
+        <a:font script="Hans" typeface="等线"/>
+        <a:font script="Hant" typeface="新細明體"/>
+        <a:font script="Arab" typeface="Arial"/>
+        <a:font script="Hebr" typeface="Arial"/>
+        <a:font script="Thai" typeface="Cordia New"/>
+        <a:font script="Ethi" typeface="Nyala"/>
+        <a:font script="Beng" typeface="Vrinda"/>
+        <a:font script="Gujr" typeface="Shruti"/>
+        <a:font script="Khmr" typeface="DaunPenh"/>
+        <a:font script="Knda" typeface="Tunga"/>
+        <a:font script="Guru" typeface="Raavi"/>
+        <a:font script="Cans" typeface="Euphemia"/>
+        <a:font script="Cher" typeface="Plantagenet Cherokee"/>
+        <a:font script="Yiii" typeface="Microsoft Yi Baiti"/>
+        <a:font script="Tibt" typeface="Microsoft Himalaya"/>
+        <a:font script="Thaa" typeface="MV Boli"/>
+        <a:font script="Deva" typeface="Mangal"/>
+        <a:font script="Telu" typeface="Gautami"/>
+        <a:font script="Taml" typeface="Latha"/>
+        <a:font script="Syrc" typeface="Estrangelo Edessa"/>
+        <a:font script="Orya" typeface="Kalinga"/>
+        <a:font script="Mlym" typeface="Kartika"/>
+        <a:font script="Laoo" typeface="DokChampa"/>
+        <a:font script="Sinh" typeface="Iskoola Pota"/>
+        <a:font script="Mong" typeface="Mongolian Baiti"/>
+        <a:font script="Viet" typeface="Arial"/>
+        <a:font script="Uigh" typeface="Microsoft Uighur"/>
+        <a:font script="Geor" typeface="Sylfaen"/>
+        <a:font script="Armn" typeface="Arial"/>
+        <a:font script="Bugi" typeface="Leelawadee UI"/>
+        <a:font script="Bopo" typeface="Microsoft JhengHei"/>
+        <a:font script="Java" typeface="Javanese Text"/>
+        <a:font script="Lisu" typeface="Segoe UI"/>
+        <a:font script="Mymr" typeface="Myanmar Text"/>
+        <a:font script="Nkoo" typeface="Ebrima"/>
+        <a:font script="Olck" typeface="Nirmala UI"/>
+        <a:font script="Osma" typeface="Ebrima"/>
+        <a:font script="Phag" typeface="Phagspa"/>
+        <a:font script="Syrn" typeface="Estrangelo Edessa"/>
+        <a:font script="Syrj" typeface="Estrangelo Edessa"/>
+        <a:font script="Syre" typeface="Estrangelo Edessa"/>
+        <a:font script="Sora" typeface="Nirmala UI"/>
+        <a:font script="Tale" typeface="Microsoft Tai Le"/>
+        <a:font script="Talu" typeface="Microsoft New Tai Lue"/>
+        <a:font script="Tfng" typeface="Ebrima"/>
+      </a:minorFont>
+    </a:fontScheme>
+    <a:fmtScheme name="Office">
+      <a:fillStyleLst>
+        <a:solidFill>
+          <a:schemeClr val="phClr"/>
+        </a:solidFill>
+        <a:gradFill rotWithShape="1">
+          <a:gsLst>
+            <a:gs pos="0">
+              <a:schemeClr val="phClr">
+                <a:lumMod val="110000"/>
+                <a:satMod val="105000"/>
+                <a:tint val="67000"/>
+              </a:schemeClr>
+            </a:gs>
+            <a:gs pos="50000">
+              <a:schemeClr val="phClr">
+                <a:lumMod val="105000"/>
+                <a:satMod val="103000"/>
+                <a:tint val="73000"/>
+              </a:schemeClr>
+            </a:gs>
+            <a:gs pos="100000">
+              <a:schemeClr val="phClr">
+                <a:lumMod val="105000"/>
+                <a:satMod val="109000"/>
+                <a:tint val="81000"/>
+              </a:schemeClr>
+            </a:gs>
+          </a:gsLst>
+          <a:lin ang="5400000" scaled="0"/>
+        </a:gradFill>
+        <a:gradFill rotWithShape="1">
+          <a:gsLst>
+            <a:gs pos="0">
+              <a:schemeClr val="phClr">
+                <a:satMod val="103000"/>
+                <a:lumMod val="102000"/>
+                <a:tint val="94000"/>
+              </a:schemeClr>
+            </a:gs>
+            <a:gs pos="50000">
+              <a:schemeClr val="phClr">
+                <a:satMod val="110000"/>
+                <a:lumMod val="100000"/>
+                <a:shade val="100000"/>
+              </a:schemeClr>
+            </a:gs>
+            <a:gs pos="100000">
+              <a:schemeClr val="phClr">
+                <a:lumMod val="99000"/>
+                <a:satMod val="120000"/>
+                <a:shade val="78000"/>
+              </a:schemeClr>
+            </a:gs>
+          </a:gsLst>
+          <a:lin ang="5400000" scaled="0"/>
+        </a:gradFill>
+      </a:fillStyleLst>
+      <a:lnStyleLst>
+        <a:ln w="12700" cap="flat" cmpd="sng" algn="ctr">
+          <a:solidFill>
+            <a:schemeClr val="phClr"/>
+          </a:solidFill>
+          <a:prstDash val="solid"/>
+          <a:miter lim="800000"/>
+        </a:ln>
+        <a:ln w="19050" cap="flat" cmpd="sng" algn="ctr">
+          <a:solidFill>
+            <a:schemeClr val="phClr"/>
+          </a:solidFill>
+          <a:prstDash val="solid"/>
+          <a:miter lim="800000"/>
+        </a:ln>
+        <a:ln w="25400" cap="flat" cmpd="sng" algn="ctr">
+          <a:solidFill>
+            <a:schemeClr val="phClr"/>
+          </a:solidFill>
+          <a:prstDash val="solid"/>
+          <a:miter lim="800000"/>
+        </a:ln>
+      </a:lnStyleLst>
+      <a:effectStyleLst>
+        <a:effectStyle>
+          <a:effectLst/>
+        </a:effectStyle>
+        <a:effectStyle>
+          <a:effectLst/>
+        </a:effectStyle>
+        <a:effectStyle>
+          <a:effectLst>
+            <a:outerShdw blurRad="57150" dist="19050" dir="5400000" algn="ctr" rotWithShape="0">
+              <a:srgbClr val="000000">
+                <a:alpha val="63000"/>
+              </a:srgbClr>
+            </a:outerShdw>
+          </a:effectLst>
+        </a:effectStyle>
+      </a:effectStyleLst>
+      <a:bgFillStyleLst>
+        <a:solidFill>
+          <a:schemeClr val="phClr"/>
+        </a:solidFill>
+        <a:solidFill>
+          <a:schemeClr val="phClr">
+            <a:tint val="95000"/>
+            <a:satMod val="170000"/>
+          </a:schemeClr>
+        </a:solidFill>
+        <a:gradFill rotWithShape="1">
+          <a:gsLst>
+            <a:gs pos="0">
+              <a:schemeClr val="phClr">
+                <a:tint val="93000"/>
+                <a:satMod val="150000"/>
+                <a:shade val="98000"/>
+                <a:lumMod val="102000"/>
+              </a:schemeClr>
+            </a:gs>
+            <a:gs pos="50000">
+              <a:schemeClr val="phClr">
+                <a:tint val="98000"/>
+                <a:satMod val="130000"/>
+                <a:shade val="90000"/>
+                <a:lumMod val="103000"/>
+              </a:schemeClr>
+            </a:gs>
+            <a:gs pos="100000">
+              <a:schemeClr val="phClr">
+                <a:shade val="63000"/>
+                <a:satMod val="120000"/>
+              </a:schemeClr>
+            </a:gs>
+          </a:gsLst>
+          <a:lin ang="5400000" scaled="0"/>
+        </a:gradFill>
+      </a:bgFillStyleLst>
+    </a:fmtScheme>
+  </a:themeElements>
+  <a:objectDefaults>
+    <a:lnDef>
+      <a:spPr/>
+      <a:bodyPr/>
+      <a:lstStyle/>
+      <a:style>
+        <a:lnRef idx="2">
+          <a:schemeClr val="accent1"/>
+        </a:lnRef>
+        <a:fillRef idx="0">
+          <a:schemeClr val="accent1"/>
+        </a:fillRef>
+        <a:effectRef idx="1">
+          <a:schemeClr val="accent1"/>
+        </a:effectRef>
+        <a:fontRef idx="minor">
+          <a:schemeClr val="tx1"/>
+        </a:fontRef>
+      </a:style>
+    </a:lnDef>
+  </a:objectDefaults>
+  <a:extraClrSchemeLst/>
+  <a:extLst>
+    <a:ext uri="{05A4C25C-085E-4340-85A3-A5531E510DB2}">
+      <thm15:themeFamily xmlns:thm15="http://schemas.microsoft.com/office/thememl/2012/main" name="Office Theme" id="{2E142A2C-CD16-42D6-873A-C26D2A0506FA}" vid="{1BDDFF52-6CD6-40A5-AB3C-68EB2F1E4D0A}"/>
+    </a:ext>
+  </a:extLst>
+</a:theme>
 </file>